--- a/Конференции/Липановские чтения/Липановские чтения Мансуров.pptx
+++ b/Конференции/Липановские чтения/Липановские чтения Мансуров.pptx
@@ -8,7 +8,7 @@
     <p:notesMasterId r:id="rId17"/>
   </p:notesMasterIdLst>
   <p:sldIdLst>
-    <p:sldId id="315" r:id="rId2"/>
+    <p:sldId id="316" r:id="rId2"/>
     <p:sldId id="308" r:id="rId3"/>
     <p:sldId id="292" r:id="rId4"/>
     <p:sldId id="283" r:id="rId5"/>
@@ -233,7 +233,7 @@
             <a:fld id="{8A2956D5-2046-4B16-B158-28749009537F}" type="datetimeFigureOut">
               <a:rPr lang="ru-RU" smtClean="0"/>
               <a:pPr/>
-              <a:t>12.06.2023</a:t>
+              <a:t>15.06.2023</a:t>
             </a:fld>
             <a:endParaRPr lang="ru-RU"/>
           </a:p>
@@ -634,7 +634,7 @@
             <a:fld id="{668F77C6-B837-4C28-B069-E60D1A7F8F4C}" type="datetime1">
               <a:rPr lang="ru-RU" smtClean="0"/>
               <a:pPr/>
-              <a:t>12.06.2023</a:t>
+              <a:t>15.06.2023</a:t>
             </a:fld>
             <a:endParaRPr lang="ru-RU"/>
           </a:p>
@@ -806,7 +806,7 @@
             <a:fld id="{E15233C2-C826-421D-8751-732F81C941BB}" type="datetime1">
               <a:rPr lang="ru-RU" smtClean="0"/>
               <a:pPr/>
-              <a:t>12.06.2023</a:t>
+              <a:t>15.06.2023</a:t>
             </a:fld>
             <a:endParaRPr lang="ru-RU"/>
           </a:p>
@@ -988,7 +988,7 @@
             <a:fld id="{F047989F-906F-40DE-BA90-D14E94A416BA}" type="datetime1">
               <a:rPr lang="ru-RU" smtClean="0"/>
               <a:pPr/>
-              <a:t>12.06.2023</a:t>
+              <a:t>15.06.2023</a:t>
             </a:fld>
             <a:endParaRPr lang="ru-RU"/>
           </a:p>
@@ -1160,7 +1160,7 @@
             <a:fld id="{D56CFF60-0E50-453A-81B9-424AB7DE66CD}" type="datetime1">
               <a:rPr lang="ru-RU" smtClean="0"/>
               <a:pPr/>
-              <a:t>12.06.2023</a:t>
+              <a:t>15.06.2023</a:t>
             </a:fld>
             <a:endParaRPr lang="ru-RU"/>
           </a:p>
@@ -1412,7 +1412,7 @@
             <a:fld id="{1EADCEAB-127F-4906-8280-7B6697A13E33}" type="datetime1">
               <a:rPr lang="ru-RU" smtClean="0"/>
               <a:pPr/>
-              <a:t>12.06.2023</a:t>
+              <a:t>15.06.2023</a:t>
             </a:fld>
             <a:endParaRPr lang="ru-RU"/>
           </a:p>
@@ -1646,7 +1646,7 @@
             <a:fld id="{772B70F3-DD83-40E6-8787-116CC1402285}" type="datetime1">
               <a:rPr lang="ru-RU" smtClean="0"/>
               <a:pPr/>
-              <a:t>12.06.2023</a:t>
+              <a:t>15.06.2023</a:t>
             </a:fld>
             <a:endParaRPr lang="ru-RU"/>
           </a:p>
@@ -2015,7 +2015,7 @@
             <a:fld id="{EFBC4BE1-28D4-4D8B-A423-5A2E1BA6934C}" type="datetime1">
               <a:rPr lang="ru-RU" smtClean="0"/>
               <a:pPr/>
-              <a:t>12.06.2023</a:t>
+              <a:t>15.06.2023</a:t>
             </a:fld>
             <a:endParaRPr lang="ru-RU"/>
           </a:p>
@@ -2135,7 +2135,7 @@
             <a:fld id="{6B7A375C-D316-441C-BBA4-36702FCEB310}" type="datetime1">
               <a:rPr lang="ru-RU" smtClean="0"/>
               <a:pPr/>
-              <a:t>12.06.2023</a:t>
+              <a:t>15.06.2023</a:t>
             </a:fld>
             <a:endParaRPr lang="ru-RU"/>
           </a:p>
@@ -2232,7 +2232,7 @@
             <a:fld id="{3EE6ABA4-7B05-4C08-9A73-CF8D6885218A}" type="datetime1">
               <a:rPr lang="ru-RU" smtClean="0"/>
               <a:pPr/>
-              <a:t>12.06.2023</a:t>
+              <a:t>15.06.2023</a:t>
             </a:fld>
             <a:endParaRPr lang="ru-RU"/>
           </a:p>
@@ -2511,7 +2511,7 @@
             <a:fld id="{F7A499FF-A70C-4AC7-8F4A-A5151C1A7370}" type="datetime1">
               <a:rPr lang="ru-RU" smtClean="0"/>
               <a:pPr/>
-              <a:t>12.06.2023</a:t>
+              <a:t>15.06.2023</a:t>
             </a:fld>
             <a:endParaRPr lang="ru-RU"/>
           </a:p>
@@ -2766,7 +2766,7 @@
             <a:fld id="{52FB4F09-8D8A-4907-99B4-463641EA0A07}" type="datetime1">
               <a:rPr lang="ru-RU" smtClean="0"/>
               <a:pPr/>
-              <a:t>12.06.2023</a:t>
+              <a:t>15.06.2023</a:t>
             </a:fld>
             <a:endParaRPr lang="ru-RU"/>
           </a:p>
@@ -2981,7 +2981,7 @@
             <a:fld id="{96489DF9-334F-4539-8237-D412EE1173F0}" type="datetime1">
               <a:rPr lang="ru-RU" smtClean="0"/>
               <a:pPr/>
-              <a:t>12.06.2023</a:t>
+              <a:t>15.06.2023</a:t>
             </a:fld>
             <a:endParaRPr lang="ru-RU"/>
           </a:p>
@@ -3411,51 +3411,71 @@
           <a:lstStyle/>
           <a:p>
             <a:r>
+              <a:rPr lang="ru-RU" sz="1400" cap="all" dirty="0">
+                <a:latin typeface="Bookman Old Style" panose="02050604050505020204" pitchFamily="18" charset="0"/>
+                <a:cs typeface="Times New Roman" pitchFamily="18" charset="0"/>
+              </a:rPr>
+              <a:t>Министерство науки и высшего образования российской федерации</a:t>
+            </a:r>
+            <a:r>
+              <a:rPr lang="ru-RU" sz="1400" dirty="0">
+                <a:latin typeface="Bookman Old Style" panose="02050604050505020204" pitchFamily="18" charset="0"/>
+                <a:cs typeface="Times New Roman" pitchFamily="18" charset="0"/>
+              </a:rPr>
+              <a:t/>
+            </a:r>
+            <a:br>
+              <a:rPr lang="ru-RU" sz="1400" dirty="0">
+                <a:latin typeface="Bookman Old Style" panose="02050604050505020204" pitchFamily="18" charset="0"/>
+                <a:cs typeface="Times New Roman" pitchFamily="18" charset="0"/>
+              </a:rPr>
+            </a:br>
+            <a:r>
+              <a:rPr lang="ru-RU" sz="1400" cap="all" dirty="0">
+                <a:latin typeface="Bookman Old Style" panose="02050604050505020204" pitchFamily="18" charset="0"/>
+                <a:cs typeface="Times New Roman" pitchFamily="18" charset="0"/>
+              </a:rPr>
+              <a:t>ФГБОУ  ВО «ИЖГТУ  имени М.Т. Калашникова»</a:t>
+            </a:r>
+            <a:r>
+              <a:rPr lang="ru-RU" sz="1600" dirty="0">
+                <a:latin typeface="Bookman Old Style" panose="02050604050505020204" pitchFamily="18" charset="0"/>
+                <a:cs typeface="Times New Roman" pitchFamily="18" charset="0"/>
+              </a:rPr>
+              <a:t/>
+            </a:r>
+            <a:br>
+              <a:rPr lang="ru-RU" sz="1600" dirty="0">
+                <a:latin typeface="Bookman Old Style" panose="02050604050505020204" pitchFamily="18" charset="0"/>
+                <a:cs typeface="Times New Roman" pitchFamily="18" charset="0"/>
+              </a:rPr>
+            </a:br>
+            <a:r>
+              <a:rPr lang="ru-RU" sz="1400" cap="all" dirty="0">
+                <a:latin typeface="Bookman Old Style" panose="02050604050505020204" pitchFamily="18" charset="0"/>
+                <a:cs typeface="Times New Roman" pitchFamily="18" charset="0"/>
+              </a:rPr>
+              <a:t>Кафедра «Прикладная математика </a:t>
+            </a:r>
+            <a:br>
+              <a:rPr lang="ru-RU" sz="1400" cap="all" dirty="0">
+                <a:latin typeface="Bookman Old Style" panose="02050604050505020204" pitchFamily="18" charset="0"/>
+                <a:cs typeface="Times New Roman" pitchFamily="18" charset="0"/>
+              </a:rPr>
+            </a:br>
+            <a:r>
+              <a:rPr lang="ru-RU" sz="1400" cap="all" dirty="0">
+                <a:latin typeface="Bookman Old Style" panose="02050604050505020204" pitchFamily="18" charset="0"/>
+                <a:cs typeface="Times New Roman" pitchFamily="18" charset="0"/>
+              </a:rPr>
+              <a:t>и информационные технологии</a:t>
+            </a:r>
+            <a:r>
               <a:rPr lang="ru-RU" sz="1400" cap="all" dirty="0" smtClean="0">
                 <a:latin typeface="Times New Roman" pitchFamily="18" charset="0"/>
                 <a:cs typeface="Times New Roman" pitchFamily="18" charset="0"/>
               </a:rPr>
-              <a:t>Министерство науки и высшего образования российской федерации</a:t>
-            </a:r>
-            <a:r>
-              <a:rPr lang="ru-RU" sz="1400" dirty="0" smtClean="0">
-                <a:latin typeface="Times New Roman" pitchFamily="18" charset="0"/>
-                <a:cs typeface="Times New Roman" pitchFamily="18" charset="0"/>
-              </a:rPr>
               <a:t/>
-            </a:r>
-            <a:br>
-              <a:rPr lang="ru-RU" sz="1400" dirty="0" smtClean="0">
-                <a:latin typeface="Times New Roman" pitchFamily="18" charset="0"/>
-                <a:cs typeface="Times New Roman" pitchFamily="18" charset="0"/>
-              </a:rPr>
-            </a:br>
-            <a:r>
-              <a:rPr lang="ru-RU" sz="1400" cap="all" dirty="0" smtClean="0">
-                <a:latin typeface="Times New Roman" pitchFamily="18" charset="0"/>
-                <a:cs typeface="Times New Roman" pitchFamily="18" charset="0"/>
-              </a:rPr>
-              <a:t>ФГБОУ  ВО «ИЖГТУ  имени М.Т. Калашникова»</a:t>
-            </a:r>
-            <a:r>
-              <a:rPr lang="ru-RU" sz="1600" dirty="0" smtClean="0">
-                <a:latin typeface="Times New Roman" pitchFamily="18" charset="0"/>
-                <a:cs typeface="Times New Roman" pitchFamily="18" charset="0"/>
-              </a:rPr>
-              <a:t/>
-            </a:r>
-            <a:br>
-              <a:rPr lang="ru-RU" sz="1600" dirty="0" smtClean="0">
-                <a:latin typeface="Times New Roman" pitchFamily="18" charset="0"/>
-                <a:cs typeface="Times New Roman" pitchFamily="18" charset="0"/>
-              </a:rPr>
-            </a:br>
-            <a:r>
-              <a:rPr lang="ru-RU" sz="1400" cap="all" dirty="0" smtClean="0">
-                <a:latin typeface="Times New Roman" pitchFamily="18" charset="0"/>
-                <a:cs typeface="Times New Roman" pitchFamily="18" charset="0"/>
-              </a:rPr>
-              <a:t>Кафедра «Прикладная математика </a:t>
             </a:r>
             <a:br>
               <a:rPr lang="ru-RU" sz="1400" cap="all" dirty="0" smtClean="0">
@@ -3464,19 +3484,6 @@
               </a:rPr>
             </a:br>
             <a:r>
-              <a:rPr lang="ru-RU" sz="1400" cap="all" dirty="0" smtClean="0">
-                <a:latin typeface="Times New Roman" pitchFamily="18" charset="0"/>
-                <a:cs typeface="Times New Roman" pitchFamily="18" charset="0"/>
-              </a:rPr>
-              <a:t>и информационные технологии</a:t>
-            </a:r>
-            <a:br>
-              <a:rPr lang="ru-RU" sz="1400" cap="all" dirty="0" smtClean="0">
-                <a:latin typeface="Times New Roman" pitchFamily="18" charset="0"/>
-                <a:cs typeface="Times New Roman" pitchFamily="18" charset="0"/>
-              </a:rPr>
-            </a:br>
-            <a:r>
               <a:rPr lang="ru-RU" sz="1600" cap="all" dirty="0" smtClean="0">
                 <a:latin typeface="Times New Roman" pitchFamily="18" charset="0"/>
                 <a:cs typeface="Times New Roman" pitchFamily="18" charset="0"/>
@@ -3503,6 +3510,19 @@
               </a:rPr>
             </a:br>
             <a:r>
+              <a:rPr lang="ru-RU" sz="1600" cap="all" dirty="0">
+                <a:latin typeface="Times New Roman" pitchFamily="18" charset="0"/>
+                <a:cs typeface="Times New Roman" pitchFamily="18" charset="0"/>
+              </a:rPr>
+              <a:t/>
+            </a:r>
+            <a:br>
+              <a:rPr lang="ru-RU" sz="1600" cap="all" dirty="0">
+                <a:latin typeface="Times New Roman" pitchFamily="18" charset="0"/>
+                <a:cs typeface="Times New Roman" pitchFamily="18" charset="0"/>
+              </a:rPr>
+            </a:br>
+            <a:r>
               <a:rPr lang="ru-RU" sz="1600" cap="all" dirty="0" smtClean="0">
                 <a:latin typeface="Times New Roman" pitchFamily="18" charset="0"/>
                 <a:cs typeface="Times New Roman" pitchFamily="18" charset="0"/>
@@ -3516,6 +3536,39 @@
               </a:rPr>
             </a:br>
             <a:r>
+              <a:rPr lang="ru-RU" sz="2000" i="1" dirty="0" smtClean="0">
+                <a:latin typeface="Bookman Old Style" panose="02050604050505020204" pitchFamily="18" charset="0"/>
+                <a:cs typeface="Times New Roman" pitchFamily="18" charset="0"/>
+              </a:rPr>
+              <a:t>Мансуров Рустам Ренатович</a:t>
+            </a:r>
+            <a:r>
+              <a:rPr lang="ru-RU" sz="1800" cap="all" dirty="0" smtClean="0">
+                <a:latin typeface="Times New Roman" pitchFamily="18" charset="0"/>
+                <a:cs typeface="Times New Roman" pitchFamily="18" charset="0"/>
+              </a:rPr>
+              <a:t/>
+            </a:r>
+            <a:br>
+              <a:rPr lang="ru-RU" sz="1800" cap="all" dirty="0" smtClean="0">
+                <a:latin typeface="Times New Roman" pitchFamily="18" charset="0"/>
+                <a:cs typeface="Times New Roman" pitchFamily="18" charset="0"/>
+              </a:rPr>
+            </a:br>
+            <a:r>
+              <a:rPr lang="ru-RU" sz="1800" cap="all" dirty="0" smtClean="0">
+                <a:latin typeface="Times New Roman" pitchFamily="18" charset="0"/>
+                <a:cs typeface="Times New Roman" pitchFamily="18" charset="0"/>
+              </a:rPr>
+              <a:t/>
+            </a:r>
+            <a:br>
+              <a:rPr lang="ru-RU" sz="1800" cap="all" dirty="0" smtClean="0">
+                <a:latin typeface="Times New Roman" pitchFamily="18" charset="0"/>
+                <a:cs typeface="Times New Roman" pitchFamily="18" charset="0"/>
+              </a:rPr>
+            </a:br>
+            <a:r>
               <a:rPr lang="ru-RU" sz="1600" cap="all" dirty="0" smtClean="0">
                 <a:latin typeface="Times New Roman" pitchFamily="18" charset="0"/>
                 <a:cs typeface="Times New Roman" pitchFamily="18" charset="0"/>
@@ -3529,71 +3582,18 @@
               </a:rPr>
             </a:br>
             <a:r>
-              <a:rPr lang="ru-RU" sz="1600" i="1" dirty="0" smtClean="0">
-                <a:latin typeface="Times New Roman" pitchFamily="18" charset="0"/>
+              <a:rPr lang="ru-RU" sz="1800" cap="all" dirty="0">
+                <a:latin typeface="Bookman Old Style" panose="02050604050505020204" pitchFamily="18" charset="0"/>
                 <a:cs typeface="Times New Roman" pitchFamily="18" charset="0"/>
               </a:rPr>
-              <a:t>Мансуров Рустам </a:t>
-            </a:r>
-            <a:r>
-              <a:rPr lang="ru-RU" sz="1600" i="1" dirty="0" err="1" smtClean="0">
-                <a:latin typeface="Times New Roman" pitchFamily="18" charset="0"/>
-                <a:cs typeface="Times New Roman" pitchFamily="18" charset="0"/>
-              </a:rPr>
-              <a:t>Ренатович</a:t>
+              <a:t>«ПОВЫШЕНИЕ ДАЛЬНОСТИ СТРЕЛЬБЫ АКТИВНО-РЕАКТИВНЫМ СНАРЯДОМ НА ОСНОВЕ МАТЕМАТИЧЕСКОГО МОДЕЛИРОВАНИЯ И КОМПЛЕКСНОЙ ОПТИМИЗАЦИИ</a:t>
             </a:r>
             <a:r>
               <a:rPr lang="ru-RU" sz="1800" cap="all" dirty="0" smtClean="0">
                 <a:latin typeface="Times New Roman" pitchFamily="18" charset="0"/>
                 <a:cs typeface="Times New Roman" pitchFamily="18" charset="0"/>
               </a:rPr>
-              <a:t/>
-            </a:r>
-            <a:br>
-              <a:rPr lang="ru-RU" sz="1800" cap="all" dirty="0" smtClean="0">
-                <a:latin typeface="Times New Roman" pitchFamily="18" charset="0"/>
-                <a:cs typeface="Times New Roman" pitchFamily="18" charset="0"/>
-              </a:rPr>
-            </a:br>
-            <a:r>
-              <a:rPr lang="ru-RU" sz="1800" cap="all" dirty="0" smtClean="0">
-                <a:latin typeface="Times New Roman" pitchFamily="18" charset="0"/>
-                <a:cs typeface="Times New Roman" pitchFamily="18" charset="0"/>
-              </a:rPr>
-              <a:t/>
-            </a:r>
-            <a:br>
-              <a:rPr lang="ru-RU" sz="1800" cap="all" dirty="0" smtClean="0">
-                <a:latin typeface="Times New Roman" pitchFamily="18" charset="0"/>
-                <a:cs typeface="Times New Roman" pitchFamily="18" charset="0"/>
-              </a:rPr>
-            </a:br>
-            <a:r>
-              <a:rPr lang="ru-RU" sz="1600" cap="all" dirty="0" smtClean="0">
-                <a:latin typeface="Times New Roman" pitchFamily="18" charset="0"/>
-                <a:cs typeface="Times New Roman" pitchFamily="18" charset="0"/>
-              </a:rPr>
-              <a:t/>
-            </a:r>
-            <a:br>
-              <a:rPr lang="ru-RU" sz="1600" cap="all" dirty="0" smtClean="0">
-                <a:latin typeface="Times New Roman" pitchFamily="18" charset="0"/>
-                <a:cs typeface="Times New Roman" pitchFamily="18" charset="0"/>
-              </a:rPr>
-            </a:br>
-            <a:r>
-              <a:rPr lang="ru-RU" sz="1800" cap="all" dirty="0" smtClean="0">
-                <a:latin typeface="Times New Roman" pitchFamily="18" charset="0"/>
-                <a:cs typeface="Times New Roman" pitchFamily="18" charset="0"/>
-              </a:rPr>
-              <a:t>«</a:t>
-            </a:r>
-            <a:r>
-              <a:rPr lang="ru-RU" sz="1600" cap="all" dirty="0">
-                <a:latin typeface="Times New Roman" pitchFamily="18" charset="0"/>
-                <a:cs typeface="Times New Roman" pitchFamily="18" charset="0"/>
-              </a:rPr>
-              <a:t>ПОВЫШЕНИЕ ДАЛЬНОСТИ СТРЕЛЬБЫ АКТИВНО-РЕАКТИВНЫМ СНАРЯДОМ НА ОСНОВЕ МАТЕМАТИЧЕСКОГО МОДЕЛИРОВАНИЯ И КОМПЛЕКСНОЙ ОПТИМИЗАЦИИ»</a:t>
+              <a:t>»</a:t>
             </a:r>
             <a:r>
               <a:rPr lang="ru-RU" sz="1600" dirty="0" smtClean="0">
@@ -3623,8 +3623,8 @@
         </p:nvSpPr>
         <p:spPr>
           <a:xfrm>
-            <a:off x="0" y="4487348"/>
-            <a:ext cx="9144000" cy="461665"/>
+            <a:off x="0" y="4436899"/>
+            <a:ext cx="9144000" cy="646331"/>
           </a:xfrm>
           <a:prstGeom prst="rect">
             <a:avLst/>
@@ -3642,58 +3642,13 @@
               </a:spcBef>
             </a:pPr>
             <a:r>
-              <a:rPr lang="en-US" sz="1200" dirty="0" smtClean="0">
+              <a:rPr lang="ru-RU" sz="1200" b="1" dirty="0">
                 <a:solidFill>
                   <a:schemeClr val="tx2"/>
                 </a:solidFill>
                 <a:latin typeface="Bookman Old Style" panose="02050604050505020204" pitchFamily="18" charset="0"/>
               </a:rPr>
-              <a:t>II</a:t>
-            </a:r>
-            <a:r>
-              <a:rPr lang="ru-RU" sz="1200" dirty="0" smtClean="0">
-                <a:solidFill>
-                  <a:schemeClr val="tx2"/>
-                </a:solidFill>
-                <a:latin typeface="Bookman Old Style" panose="02050604050505020204" pitchFamily="18" charset="0"/>
-              </a:rPr>
-              <a:t> </a:t>
-            </a:r>
-            <a:r>
-              <a:rPr lang="ru-RU" sz="1200" dirty="0">
-                <a:solidFill>
-                  <a:schemeClr val="tx2"/>
-                </a:solidFill>
-                <a:latin typeface="Bookman Old Style" panose="02050604050505020204" pitchFamily="18" charset="0"/>
-              </a:rPr>
-              <a:t>школа-семинар молодых ученых и студентов «</a:t>
-            </a:r>
-            <a:r>
-              <a:rPr lang="ru-RU" sz="1200" dirty="0" err="1">
-                <a:solidFill>
-                  <a:schemeClr val="tx2"/>
-                </a:solidFill>
-                <a:latin typeface="Bookman Old Style" panose="02050604050505020204" pitchFamily="18" charset="0"/>
-              </a:rPr>
-              <a:t>Липановские</a:t>
-            </a:r>
-            <a:r>
-              <a:rPr lang="ru-RU" sz="1200" dirty="0">
-                <a:solidFill>
-                  <a:schemeClr val="tx2"/>
-                </a:solidFill>
-                <a:latin typeface="Bookman Old Style" panose="02050604050505020204" pitchFamily="18" charset="0"/>
-              </a:rPr>
-              <a:t> чтения</a:t>
-            </a:r>
-            <a:r>
-              <a:rPr lang="ru-RU" sz="1200" dirty="0" smtClean="0">
-                <a:solidFill>
-                  <a:schemeClr val="tx2"/>
-                </a:solidFill>
-                <a:latin typeface="Bookman Old Style" panose="02050604050505020204" pitchFamily="18" charset="0"/>
-              </a:rPr>
-              <a:t>»</a:t>
+              <a:t>II школа-семинар молодых ученых и студентов «Липановские чтения»</a:t>
             </a:r>
           </a:p>
           <a:p>
@@ -3703,7 +3658,7 @@
               </a:spcBef>
             </a:pPr>
             <a:r>
-              <a:rPr lang="ru-RU" sz="1200" dirty="0" smtClean="0">
+              <a:rPr lang="ru-RU" sz="1200" b="1" dirty="0" smtClean="0">
                 <a:solidFill>
                   <a:schemeClr val="tx2"/>
                 </a:solidFill>
@@ -3712,15 +3667,46 @@
               <a:t>14 </a:t>
             </a:r>
             <a:r>
-              <a:rPr lang="ru-RU" sz="1200" dirty="0">
+              <a:rPr lang="ru-RU" sz="1200" b="1" dirty="0">
                 <a:solidFill>
                   <a:schemeClr val="tx2"/>
                 </a:solidFill>
                 <a:latin typeface="Bookman Old Style" panose="02050604050505020204" pitchFamily="18" charset="0"/>
               </a:rPr>
-              <a:t>– 16 июня, 2023г., Ижевск</a:t>
-            </a:r>
-            <a:endParaRPr lang="ru-RU" sz="1200" dirty="0">
+              <a:t>– 16 июня, 2023г</a:t>
+            </a:r>
+            <a:r>
+              <a:rPr lang="ru-RU" sz="1200" b="1" dirty="0" smtClean="0">
+                <a:solidFill>
+                  <a:schemeClr val="tx2"/>
+                </a:solidFill>
+                <a:latin typeface="Bookman Old Style" panose="02050604050505020204" pitchFamily="18" charset="0"/>
+              </a:rPr>
+              <a:t>.</a:t>
+            </a:r>
+            <a:endParaRPr lang="en-US" sz="1200" b="1" dirty="0" smtClean="0">
+              <a:solidFill>
+                <a:schemeClr val="tx2"/>
+              </a:solidFill>
+              <a:latin typeface="Bookman Old Style" panose="02050604050505020204" pitchFamily="18" charset="0"/>
+            </a:endParaRPr>
+          </a:p>
+          <a:p>
+            <a:pPr algn="ctr">
+              <a:spcBef>
+                <a:spcPct val="0"/>
+              </a:spcBef>
+            </a:pPr>
+            <a:r>
+              <a:rPr lang="ru-RU" sz="1200" b="1" dirty="0" smtClean="0">
+                <a:solidFill>
+                  <a:schemeClr val="tx2"/>
+                </a:solidFill>
+                <a:latin typeface="Bookman Old Style" panose="02050604050505020204" pitchFamily="18" charset="0"/>
+              </a:rPr>
+              <a:t>ИжГТУ им. М.Т. Калашникова, г. Ижевск, Россия</a:t>
+            </a:r>
+            <a:endParaRPr lang="ru-RU" sz="1200" b="1" dirty="0">
               <a:solidFill>
                 <a:schemeClr val="tx2"/>
               </a:solidFill>
@@ -3732,7 +3718,7 @@
     </p:spTree>
     <p:extLst>
       <p:ext uri="{BB962C8B-B14F-4D97-AF65-F5344CB8AC3E}">
-        <p14:creationId xmlns:p14="http://schemas.microsoft.com/office/powerpoint/2010/main" val="2568322429"/>
+        <p14:creationId xmlns:p14="http://schemas.microsoft.com/office/powerpoint/2010/main" val="506045921"/>
       </p:ext>
     </p:extLst>
   </p:cSld>
@@ -4219,13 +4205,6 @@
               </a:rPr>
               <a:t>«Повышение дальности стрельбы активно-реактивным снарядом на основе математического моделирования…»</a:t>
             </a:r>
-            <a:endParaRPr lang="ru-RU" sz="1100" dirty="0">
-              <a:solidFill>
-                <a:schemeClr val="tx1"/>
-              </a:solidFill>
-              <a:latin typeface="Times New Roman" panose="02020603050405020304" pitchFamily="18" charset="0"/>
-              <a:cs typeface="Times New Roman" panose="02020603050405020304" pitchFamily="18" charset="0"/>
-            </a:endParaRPr>
           </a:p>
         </p:txBody>
       </p:sp>
@@ -4599,28 +4578,28 @@
                 <a:gridCol w="1371600">
                   <a:extLst>
                     <a:ext uri="{9D8B030D-6E8A-4147-A177-3AD203B41FA5}">
-                      <a16:colId xmlns:a16="http://schemas.microsoft.com/office/drawing/2014/main" val="20000"/>
+                      <a16:colId xmlns:a16="http://schemas.microsoft.com/office/drawing/2014/main" xmlns="" val="20000"/>
                     </a:ext>
                   </a:extLst>
                 </a:gridCol>
                 <a:gridCol w="1003082">
                   <a:extLst>
                     <a:ext uri="{9D8B030D-6E8A-4147-A177-3AD203B41FA5}">
-                      <a16:colId xmlns:a16="http://schemas.microsoft.com/office/drawing/2014/main" val="20001"/>
+                      <a16:colId xmlns:a16="http://schemas.microsoft.com/office/drawing/2014/main" xmlns="" val="20001"/>
                     </a:ext>
                   </a:extLst>
                 </a:gridCol>
                 <a:gridCol w="1187341">
                   <a:extLst>
                     <a:ext uri="{9D8B030D-6E8A-4147-A177-3AD203B41FA5}">
-                      <a16:colId xmlns:a16="http://schemas.microsoft.com/office/drawing/2014/main" val="20002"/>
+                      <a16:colId xmlns:a16="http://schemas.microsoft.com/office/drawing/2014/main" xmlns="" val="20002"/>
                     </a:ext>
                   </a:extLst>
                 </a:gridCol>
                 <a:gridCol w="1187341">
                   <a:extLst>
                     <a:ext uri="{9D8B030D-6E8A-4147-A177-3AD203B41FA5}">
-                      <a16:colId xmlns:a16="http://schemas.microsoft.com/office/drawing/2014/main" val="20003"/>
+                      <a16:colId xmlns:a16="http://schemas.microsoft.com/office/drawing/2014/main" xmlns="" val="20003"/>
                     </a:ext>
                   </a:extLst>
                 </a:gridCol>
@@ -4768,7 +4747,7 @@
                 </a:tc>
                 <a:extLst>
                   <a:ext uri="{0D108BD9-81ED-4DB2-BD59-A6C34878D82A}">
-                    <a16:rowId xmlns:a16="http://schemas.microsoft.com/office/drawing/2014/main" val="10000"/>
+                    <a16:rowId xmlns:a16="http://schemas.microsoft.com/office/drawing/2014/main" xmlns="" val="10000"/>
                   </a:ext>
                 </a:extLst>
               </a:tr>
@@ -4925,7 +4904,7 @@
                 </a:tc>
                 <a:extLst>
                   <a:ext uri="{0D108BD9-81ED-4DB2-BD59-A6C34878D82A}">
-                    <a16:rowId xmlns:a16="http://schemas.microsoft.com/office/drawing/2014/main" val="10001"/>
+                    <a16:rowId xmlns:a16="http://schemas.microsoft.com/office/drawing/2014/main" xmlns="" val="10001"/>
                   </a:ext>
                 </a:extLst>
               </a:tr>
@@ -5057,7 +5036,7 @@
                 </a:tc>
                 <a:extLst>
                   <a:ext uri="{0D108BD9-81ED-4DB2-BD59-A6C34878D82A}">
-                    <a16:rowId xmlns:a16="http://schemas.microsoft.com/office/drawing/2014/main" val="10002"/>
+                    <a16:rowId xmlns:a16="http://schemas.microsoft.com/office/drawing/2014/main" xmlns="" val="10002"/>
                   </a:ext>
                 </a:extLst>
               </a:tr>
@@ -5196,7 +5175,7 @@
                 </a:tc>
                 <a:extLst>
                   <a:ext uri="{0D108BD9-81ED-4DB2-BD59-A6C34878D82A}">
-                    <a16:rowId xmlns:a16="http://schemas.microsoft.com/office/drawing/2014/main" val="10003"/>
+                    <a16:rowId xmlns:a16="http://schemas.microsoft.com/office/drawing/2014/main" xmlns="" val="10003"/>
                   </a:ext>
                 </a:extLst>
               </a:tr>
@@ -5325,7 +5304,7 @@
                 </a:tc>
                 <a:extLst>
                   <a:ext uri="{0D108BD9-81ED-4DB2-BD59-A6C34878D82A}">
-                    <a16:rowId xmlns:a16="http://schemas.microsoft.com/office/drawing/2014/main" val="10004"/>
+                    <a16:rowId xmlns:a16="http://schemas.microsoft.com/office/drawing/2014/main" xmlns="" val="10004"/>
                   </a:ext>
                 </a:extLst>
               </a:tr>
@@ -5457,7 +5436,7 @@
                 </a:tc>
                 <a:extLst>
                   <a:ext uri="{0D108BD9-81ED-4DB2-BD59-A6C34878D82A}">
-                    <a16:rowId xmlns:a16="http://schemas.microsoft.com/office/drawing/2014/main" val="10005"/>
+                    <a16:rowId xmlns:a16="http://schemas.microsoft.com/office/drawing/2014/main" xmlns="" val="10005"/>
                   </a:ext>
                 </a:extLst>
               </a:tr>
@@ -5581,7 +5560,7 @@
                 </a:tc>
                 <a:extLst>
                   <a:ext uri="{0D108BD9-81ED-4DB2-BD59-A6C34878D82A}">
-                    <a16:rowId xmlns:a16="http://schemas.microsoft.com/office/drawing/2014/main" val="10006"/>
+                    <a16:rowId xmlns:a16="http://schemas.microsoft.com/office/drawing/2014/main" xmlns="" val="10006"/>
                   </a:ext>
                 </a:extLst>
               </a:tr>
@@ -5721,7 +5700,7 @@
                 </a:tc>
                 <a:extLst>
                   <a:ext uri="{0D108BD9-81ED-4DB2-BD59-A6C34878D82A}">
-                    <a16:rowId xmlns:a16="http://schemas.microsoft.com/office/drawing/2014/main" val="10007"/>
+                    <a16:rowId xmlns:a16="http://schemas.microsoft.com/office/drawing/2014/main" xmlns="" val="10007"/>
                   </a:ext>
                 </a:extLst>
               </a:tr>
@@ -5861,7 +5840,7 @@
                 </a:tc>
                 <a:extLst>
                   <a:ext uri="{0D108BD9-81ED-4DB2-BD59-A6C34878D82A}">
-                    <a16:rowId xmlns:a16="http://schemas.microsoft.com/office/drawing/2014/main" val="10008"/>
+                    <a16:rowId xmlns:a16="http://schemas.microsoft.com/office/drawing/2014/main" xmlns="" val="10008"/>
                   </a:ext>
                 </a:extLst>
               </a:tr>
@@ -5946,28 +5925,28 @@
                 <a:gridCol w="1072141">
                   <a:extLst>
                     <a:ext uri="{9D8B030D-6E8A-4147-A177-3AD203B41FA5}">
-                      <a16:colId xmlns:a16="http://schemas.microsoft.com/office/drawing/2014/main" val="20000"/>
+                      <a16:colId xmlns:a16="http://schemas.microsoft.com/office/drawing/2014/main" xmlns="" val="20000"/>
                     </a:ext>
                   </a:extLst>
                 </a:gridCol>
                 <a:gridCol w="933277">
                   <a:extLst>
                     <a:ext uri="{9D8B030D-6E8A-4147-A177-3AD203B41FA5}">
-                      <a16:colId xmlns:a16="http://schemas.microsoft.com/office/drawing/2014/main" val="20001"/>
+                      <a16:colId xmlns:a16="http://schemas.microsoft.com/office/drawing/2014/main" xmlns="" val="20001"/>
                     </a:ext>
                   </a:extLst>
                 </a:gridCol>
                 <a:gridCol w="1002709">
                   <a:extLst>
                     <a:ext uri="{9D8B030D-6E8A-4147-A177-3AD203B41FA5}">
-                      <a16:colId xmlns:a16="http://schemas.microsoft.com/office/drawing/2014/main" val="20002"/>
+                      <a16:colId xmlns:a16="http://schemas.microsoft.com/office/drawing/2014/main" xmlns="" val="20002"/>
                     </a:ext>
                   </a:extLst>
                 </a:gridCol>
                 <a:gridCol w="1002709">
                   <a:extLst>
                     <a:ext uri="{9D8B030D-6E8A-4147-A177-3AD203B41FA5}">
-                      <a16:colId xmlns:a16="http://schemas.microsoft.com/office/drawing/2014/main" val="20003"/>
+                      <a16:colId xmlns:a16="http://schemas.microsoft.com/office/drawing/2014/main" xmlns="" val="20003"/>
                     </a:ext>
                   </a:extLst>
                 </a:gridCol>
@@ -6115,7 +6094,7 @@
                 </a:tc>
                 <a:extLst>
                   <a:ext uri="{0D108BD9-81ED-4DB2-BD59-A6C34878D82A}">
-                    <a16:rowId xmlns:a16="http://schemas.microsoft.com/office/drawing/2014/main" val="10000"/>
+                    <a16:rowId xmlns:a16="http://schemas.microsoft.com/office/drawing/2014/main" xmlns="" val="10000"/>
                   </a:ext>
                 </a:extLst>
               </a:tr>
@@ -6256,7 +6235,7 @@
                 </a:tc>
                 <a:extLst>
                   <a:ext uri="{0D108BD9-81ED-4DB2-BD59-A6C34878D82A}">
-                    <a16:rowId xmlns:a16="http://schemas.microsoft.com/office/drawing/2014/main" val="10001"/>
+                    <a16:rowId xmlns:a16="http://schemas.microsoft.com/office/drawing/2014/main" xmlns="" val="10001"/>
                   </a:ext>
                 </a:extLst>
               </a:tr>
@@ -6397,7 +6376,7 @@
                 </a:tc>
                 <a:extLst>
                   <a:ext uri="{0D108BD9-81ED-4DB2-BD59-A6C34878D82A}">
-                    <a16:rowId xmlns:a16="http://schemas.microsoft.com/office/drawing/2014/main" val="10002"/>
+                    <a16:rowId xmlns:a16="http://schemas.microsoft.com/office/drawing/2014/main" xmlns="" val="10002"/>
                   </a:ext>
                 </a:extLst>
               </a:tr>
@@ -6540,7 +6519,7 @@
                 </a:tc>
                 <a:extLst>
                   <a:ext uri="{0D108BD9-81ED-4DB2-BD59-A6C34878D82A}">
-                    <a16:rowId xmlns:a16="http://schemas.microsoft.com/office/drawing/2014/main" val="10004"/>
+                    <a16:rowId xmlns:a16="http://schemas.microsoft.com/office/drawing/2014/main" xmlns="" val="10004"/>
                   </a:ext>
                 </a:extLst>
               </a:tr>
@@ -7142,13 +7121,6 @@
               </a:rPr>
               <a:t>. «Повышение дальности стрельбы активно-реактивным снарядом на основе математического моделирования…»</a:t>
             </a:r>
-            <a:endParaRPr lang="ru-RU" sz="1100" dirty="0">
-              <a:solidFill>
-                <a:schemeClr val="tx1"/>
-              </a:solidFill>
-              <a:latin typeface="Times New Roman" panose="02020603050405020304" pitchFamily="18" charset="0"/>
-              <a:cs typeface="Times New Roman" panose="02020603050405020304" pitchFamily="18" charset="0"/>
-            </a:endParaRPr>
           </a:p>
         </p:txBody>
       </p:sp>
@@ -7522,28 +7494,28 @@
                 <a:gridCol w="1002709">
                   <a:extLst>
                     <a:ext uri="{9D8B030D-6E8A-4147-A177-3AD203B41FA5}">
-                      <a16:colId xmlns:a16="http://schemas.microsoft.com/office/drawing/2014/main" val="20000"/>
+                      <a16:colId xmlns:a16="http://schemas.microsoft.com/office/drawing/2014/main" xmlns="" val="20000"/>
                     </a:ext>
                   </a:extLst>
                 </a:gridCol>
                 <a:gridCol w="1002709">
                   <a:extLst>
                     <a:ext uri="{9D8B030D-6E8A-4147-A177-3AD203B41FA5}">
-                      <a16:colId xmlns:a16="http://schemas.microsoft.com/office/drawing/2014/main" val="20001"/>
+                      <a16:colId xmlns:a16="http://schemas.microsoft.com/office/drawing/2014/main" xmlns="" val="20001"/>
                     </a:ext>
                   </a:extLst>
                 </a:gridCol>
                 <a:gridCol w="1002709">
                   <a:extLst>
                     <a:ext uri="{9D8B030D-6E8A-4147-A177-3AD203B41FA5}">
-                      <a16:colId xmlns:a16="http://schemas.microsoft.com/office/drawing/2014/main" val="20002"/>
+                      <a16:colId xmlns:a16="http://schemas.microsoft.com/office/drawing/2014/main" xmlns="" val="20002"/>
                     </a:ext>
                   </a:extLst>
                 </a:gridCol>
                 <a:gridCol w="1002709">
                   <a:extLst>
                     <a:ext uri="{9D8B030D-6E8A-4147-A177-3AD203B41FA5}">
-                      <a16:colId xmlns:a16="http://schemas.microsoft.com/office/drawing/2014/main" val="20003"/>
+                      <a16:colId xmlns:a16="http://schemas.microsoft.com/office/drawing/2014/main" xmlns="" val="20003"/>
                     </a:ext>
                   </a:extLst>
                 </a:gridCol>
@@ -7691,7 +7663,7 @@
                 </a:tc>
                 <a:extLst>
                   <a:ext uri="{0D108BD9-81ED-4DB2-BD59-A6C34878D82A}">
-                    <a16:rowId xmlns:a16="http://schemas.microsoft.com/office/drawing/2014/main" val="10000"/>
+                    <a16:rowId xmlns:a16="http://schemas.microsoft.com/office/drawing/2014/main" xmlns="" val="10000"/>
                   </a:ext>
                 </a:extLst>
               </a:tr>
@@ -7830,7 +7802,7 @@
                 </a:tc>
                 <a:extLst>
                   <a:ext uri="{0D108BD9-81ED-4DB2-BD59-A6C34878D82A}">
-                    <a16:rowId xmlns:a16="http://schemas.microsoft.com/office/drawing/2014/main" val="10001"/>
+                    <a16:rowId xmlns:a16="http://schemas.microsoft.com/office/drawing/2014/main" xmlns="" val="10001"/>
                   </a:ext>
                 </a:extLst>
               </a:tr>
@@ -7969,7 +7941,7 @@
                 </a:tc>
                 <a:extLst>
                   <a:ext uri="{0D108BD9-81ED-4DB2-BD59-A6C34878D82A}">
-                    <a16:rowId xmlns:a16="http://schemas.microsoft.com/office/drawing/2014/main" val="10002"/>
+                    <a16:rowId xmlns:a16="http://schemas.microsoft.com/office/drawing/2014/main" xmlns="" val="10002"/>
                   </a:ext>
                 </a:extLst>
               </a:tr>
@@ -8113,7 +8085,7 @@
                 </a:tc>
                 <a:extLst>
                   <a:ext uri="{0D108BD9-81ED-4DB2-BD59-A6C34878D82A}">
-                    <a16:rowId xmlns:a16="http://schemas.microsoft.com/office/drawing/2014/main" val="10004"/>
+                    <a16:rowId xmlns:a16="http://schemas.microsoft.com/office/drawing/2014/main" xmlns="" val="10004"/>
                   </a:ext>
                 </a:extLst>
               </a:tr>
@@ -8198,28 +8170,28 @@
                 <a:gridCol w="1002709">
                   <a:extLst>
                     <a:ext uri="{9D8B030D-6E8A-4147-A177-3AD203B41FA5}">
-                      <a16:colId xmlns:a16="http://schemas.microsoft.com/office/drawing/2014/main" val="20000"/>
+                      <a16:colId xmlns:a16="http://schemas.microsoft.com/office/drawing/2014/main" xmlns="" val="20000"/>
                     </a:ext>
                   </a:extLst>
                 </a:gridCol>
                 <a:gridCol w="1002709">
                   <a:extLst>
                     <a:ext uri="{9D8B030D-6E8A-4147-A177-3AD203B41FA5}">
-                      <a16:colId xmlns:a16="http://schemas.microsoft.com/office/drawing/2014/main" val="20001"/>
+                      <a16:colId xmlns:a16="http://schemas.microsoft.com/office/drawing/2014/main" xmlns="" val="20001"/>
                     </a:ext>
                   </a:extLst>
                 </a:gridCol>
                 <a:gridCol w="1002709">
                   <a:extLst>
                     <a:ext uri="{9D8B030D-6E8A-4147-A177-3AD203B41FA5}">
-                      <a16:colId xmlns:a16="http://schemas.microsoft.com/office/drawing/2014/main" val="20002"/>
+                      <a16:colId xmlns:a16="http://schemas.microsoft.com/office/drawing/2014/main" xmlns="" val="20002"/>
                     </a:ext>
                   </a:extLst>
                 </a:gridCol>
                 <a:gridCol w="1002709">
                   <a:extLst>
                     <a:ext uri="{9D8B030D-6E8A-4147-A177-3AD203B41FA5}">
-                      <a16:colId xmlns:a16="http://schemas.microsoft.com/office/drawing/2014/main" val="20003"/>
+                      <a16:colId xmlns:a16="http://schemas.microsoft.com/office/drawing/2014/main" xmlns="" val="20003"/>
                     </a:ext>
                   </a:extLst>
                 </a:gridCol>
@@ -8367,7 +8339,7 @@
                 </a:tc>
                 <a:extLst>
                   <a:ext uri="{0D108BD9-81ED-4DB2-BD59-A6C34878D82A}">
-                    <a16:rowId xmlns:a16="http://schemas.microsoft.com/office/drawing/2014/main" val="10000"/>
+                    <a16:rowId xmlns:a16="http://schemas.microsoft.com/office/drawing/2014/main" xmlns="" val="10000"/>
                   </a:ext>
                 </a:extLst>
               </a:tr>
@@ -8506,7 +8478,7 @@
                 </a:tc>
                 <a:extLst>
                   <a:ext uri="{0D108BD9-81ED-4DB2-BD59-A6C34878D82A}">
-                    <a16:rowId xmlns:a16="http://schemas.microsoft.com/office/drawing/2014/main" val="10001"/>
+                    <a16:rowId xmlns:a16="http://schemas.microsoft.com/office/drawing/2014/main" xmlns="" val="10001"/>
                   </a:ext>
                 </a:extLst>
               </a:tr>
@@ -8645,7 +8617,7 @@
                 </a:tc>
                 <a:extLst>
                   <a:ext uri="{0D108BD9-81ED-4DB2-BD59-A6C34878D82A}">
-                    <a16:rowId xmlns:a16="http://schemas.microsoft.com/office/drawing/2014/main" val="10002"/>
+                    <a16:rowId xmlns:a16="http://schemas.microsoft.com/office/drawing/2014/main" xmlns="" val="10002"/>
                   </a:ext>
                 </a:extLst>
               </a:tr>
@@ -8788,7 +8760,7 @@
                 </a:tc>
                 <a:extLst>
                   <a:ext uri="{0D108BD9-81ED-4DB2-BD59-A6C34878D82A}">
-                    <a16:rowId xmlns:a16="http://schemas.microsoft.com/office/drawing/2014/main" val="10004"/>
+                    <a16:rowId xmlns:a16="http://schemas.microsoft.com/office/drawing/2014/main" xmlns="" val="10004"/>
                   </a:ext>
                 </a:extLst>
               </a:tr>
@@ -8812,8 +8784,8 @@
         </p:blipFill>
         <p:spPr>
           <a:xfrm>
-            <a:off x="161188" y="1740855"/>
-            <a:ext cx="4100426" cy="2660478"/>
+            <a:off x="161188" y="1858617"/>
+            <a:ext cx="3918928" cy="2542716"/>
           </a:xfrm>
           <a:prstGeom prst="rect">
             <a:avLst/>
@@ -9422,13 +9394,6 @@
               </a:rPr>
               <a:t>«Повышение дальности стрельбы активно-реактивным снарядом на основе математического моделирования…»</a:t>
             </a:r>
-            <a:endParaRPr lang="ru-RU" sz="1100" dirty="0">
-              <a:solidFill>
-                <a:schemeClr val="tx1"/>
-              </a:solidFill>
-              <a:latin typeface="Times New Roman" panose="02020603050405020304" pitchFamily="18" charset="0"/>
-              <a:cs typeface="Times New Roman" panose="02020603050405020304" pitchFamily="18" charset="0"/>
-            </a:endParaRPr>
           </a:p>
         </p:txBody>
       </p:sp>
@@ -9859,7 +9824,7 @@
           <a:graphicData uri="http://schemas.openxmlformats.org/presentationml/2006/ole">
             <mc:AlternateContent xmlns:mc="http://schemas.openxmlformats.org/markup-compatibility/2006">
               <mc:Choice xmlns:v="urn:schemas-microsoft-com:vml" Requires="v">
-                <p:oleObj spid="_x0000_s42405" name="Уравнение" r:id="rId3" imgW="812520" imgH="482400" progId="Equation.3">
+                <p:oleObj spid="_x0000_s42421" name="Уравнение" r:id="rId3" imgW="812520" imgH="482400" progId="Equation.3">
                   <p:embed/>
                 </p:oleObj>
               </mc:Choice>
@@ -10039,7 +10004,7 @@
           <a:graphicData uri="http://schemas.openxmlformats.org/presentationml/2006/ole">
             <mc:AlternateContent xmlns:mc="http://schemas.openxmlformats.org/markup-compatibility/2006">
               <mc:Choice xmlns:v="urn:schemas-microsoft-com:vml" Requires="v">
-                <p:oleObj spid="_x0000_s42406" name="Уравнение" r:id="rId5" imgW="787320" imgH="507960" progId="Equation.3">
+                <p:oleObj spid="_x0000_s42422" name="Уравнение" r:id="rId5" imgW="787320" imgH="507960" progId="Equation.3">
                   <p:embed/>
                 </p:oleObj>
               </mc:Choice>
@@ -10096,7 +10061,7 @@
           <a:graphicData uri="http://schemas.openxmlformats.org/presentationml/2006/ole">
             <mc:AlternateContent xmlns:mc="http://schemas.openxmlformats.org/markup-compatibility/2006">
               <mc:Choice xmlns:v="urn:schemas-microsoft-com:vml" Requires="v">
-                <p:oleObj spid="_x0000_s42407" name="Уравнение" r:id="rId7" imgW="977760" imgH="520560" progId="Equation.3">
+                <p:oleObj spid="_x0000_s42423" name="Уравнение" r:id="rId7" imgW="977760" imgH="520560" progId="Equation.3">
                   <p:embed/>
                 </p:oleObj>
               </mc:Choice>
@@ -10283,7 +10248,7 @@
           <a:graphicData uri="http://schemas.openxmlformats.org/presentationml/2006/ole">
             <mc:AlternateContent xmlns:mc="http://schemas.openxmlformats.org/markup-compatibility/2006">
               <mc:Choice xmlns:v="urn:schemas-microsoft-com:vml" Requires="v">
-                <p:oleObj spid="_x0000_s42408" name="Уравнение" r:id="rId9" imgW="812520" imgH="203040" progId="Equation.3">
+                <p:oleObj spid="_x0000_s42424" name="Уравнение" r:id="rId9" imgW="812520" imgH="203040" progId="Equation.3">
                   <p:embed/>
                 </p:oleObj>
               </mc:Choice>
@@ -11022,13 +10987,6 @@
               </a:rPr>
               <a:t>«Повышение дальности стрельбы активно-реактивным снарядом на основе математического моделирования…»</a:t>
             </a:r>
-            <a:endParaRPr lang="ru-RU" sz="1100" dirty="0">
-              <a:solidFill>
-                <a:schemeClr val="tx1"/>
-              </a:solidFill>
-              <a:latin typeface="Times New Roman" panose="02020603050405020304" pitchFamily="18" charset="0"/>
-              <a:cs typeface="Times New Roman" panose="02020603050405020304" pitchFamily="18" charset="0"/>
-            </a:endParaRPr>
           </a:p>
         </p:txBody>
       </p:sp>
@@ -11319,28 +11277,28 @@
                 <a:gridCol w="875899">
                   <a:extLst>
                     <a:ext uri="{9D8B030D-6E8A-4147-A177-3AD203B41FA5}">
-                      <a16:colId xmlns:a16="http://schemas.microsoft.com/office/drawing/2014/main" val="20000"/>
+                      <a16:colId xmlns:a16="http://schemas.microsoft.com/office/drawing/2014/main" xmlns="" val="20000"/>
                     </a:ext>
                   </a:extLst>
                 </a:gridCol>
                 <a:gridCol w="875899">
                   <a:extLst>
                     <a:ext uri="{9D8B030D-6E8A-4147-A177-3AD203B41FA5}">
-                      <a16:colId xmlns:a16="http://schemas.microsoft.com/office/drawing/2014/main" val="20001"/>
+                      <a16:colId xmlns:a16="http://schemas.microsoft.com/office/drawing/2014/main" xmlns="" val="20001"/>
                     </a:ext>
                   </a:extLst>
                 </a:gridCol>
                 <a:gridCol w="875899">
                   <a:extLst>
                     <a:ext uri="{9D8B030D-6E8A-4147-A177-3AD203B41FA5}">
-                      <a16:colId xmlns:a16="http://schemas.microsoft.com/office/drawing/2014/main" val="20002"/>
+                      <a16:colId xmlns:a16="http://schemas.microsoft.com/office/drawing/2014/main" xmlns="" val="20002"/>
                     </a:ext>
                   </a:extLst>
                 </a:gridCol>
                 <a:gridCol w="875899">
                   <a:extLst>
                     <a:ext uri="{9D8B030D-6E8A-4147-A177-3AD203B41FA5}">
-                      <a16:colId xmlns:a16="http://schemas.microsoft.com/office/drawing/2014/main" val="20003"/>
+                      <a16:colId xmlns:a16="http://schemas.microsoft.com/office/drawing/2014/main" xmlns="" val="20003"/>
                     </a:ext>
                   </a:extLst>
                 </a:gridCol>
@@ -11638,7 +11596,7 @@
                 </a:tc>
                 <a:extLst>
                   <a:ext uri="{0D108BD9-81ED-4DB2-BD59-A6C34878D82A}">
-                    <a16:rowId xmlns:a16="http://schemas.microsoft.com/office/drawing/2014/main" val="10000"/>
+                    <a16:rowId xmlns:a16="http://schemas.microsoft.com/office/drawing/2014/main" xmlns="" val="10000"/>
                   </a:ext>
                 </a:extLst>
               </a:tr>
@@ -11922,7 +11880,7 @@
                 </a:tc>
                 <a:extLst>
                   <a:ext uri="{0D108BD9-81ED-4DB2-BD59-A6C34878D82A}">
-                    <a16:rowId xmlns:a16="http://schemas.microsoft.com/office/drawing/2014/main" val="10001"/>
+                    <a16:rowId xmlns:a16="http://schemas.microsoft.com/office/drawing/2014/main" xmlns="" val="10001"/>
                   </a:ext>
                 </a:extLst>
               </a:tr>
@@ -12213,7 +12171,7 @@
                 </a:tc>
                 <a:extLst>
                   <a:ext uri="{0D108BD9-81ED-4DB2-BD59-A6C34878D82A}">
-                    <a16:rowId xmlns:a16="http://schemas.microsoft.com/office/drawing/2014/main" val="63189236"/>
+                    <a16:rowId xmlns:a16="http://schemas.microsoft.com/office/drawing/2014/main" xmlns="" val="63189236"/>
                   </a:ext>
                 </a:extLst>
               </a:tr>
@@ -12298,28 +12256,28 @@
                 <a:gridCol w="875899">
                   <a:extLst>
                     <a:ext uri="{9D8B030D-6E8A-4147-A177-3AD203B41FA5}">
-                      <a16:colId xmlns:a16="http://schemas.microsoft.com/office/drawing/2014/main" val="20000"/>
+                      <a16:colId xmlns:a16="http://schemas.microsoft.com/office/drawing/2014/main" xmlns="" val="20000"/>
                     </a:ext>
                   </a:extLst>
                 </a:gridCol>
                 <a:gridCol w="875899">
                   <a:extLst>
                     <a:ext uri="{9D8B030D-6E8A-4147-A177-3AD203B41FA5}">
-                      <a16:colId xmlns:a16="http://schemas.microsoft.com/office/drawing/2014/main" val="20001"/>
+                      <a16:colId xmlns:a16="http://schemas.microsoft.com/office/drawing/2014/main" xmlns="" val="20001"/>
                     </a:ext>
                   </a:extLst>
                 </a:gridCol>
                 <a:gridCol w="875899">
                   <a:extLst>
                     <a:ext uri="{9D8B030D-6E8A-4147-A177-3AD203B41FA5}">
-                      <a16:colId xmlns:a16="http://schemas.microsoft.com/office/drawing/2014/main" val="20002"/>
+                      <a16:colId xmlns:a16="http://schemas.microsoft.com/office/drawing/2014/main" xmlns="" val="20002"/>
                     </a:ext>
                   </a:extLst>
                 </a:gridCol>
                 <a:gridCol w="875899">
                   <a:extLst>
                     <a:ext uri="{9D8B030D-6E8A-4147-A177-3AD203B41FA5}">
-                      <a16:colId xmlns:a16="http://schemas.microsoft.com/office/drawing/2014/main" val="20003"/>
+                      <a16:colId xmlns:a16="http://schemas.microsoft.com/office/drawing/2014/main" xmlns="" val="20003"/>
                     </a:ext>
                   </a:extLst>
                 </a:gridCol>
@@ -12628,7 +12586,7 @@
                 </a:tc>
                 <a:extLst>
                   <a:ext uri="{0D108BD9-81ED-4DB2-BD59-A6C34878D82A}">
-                    <a16:rowId xmlns:a16="http://schemas.microsoft.com/office/drawing/2014/main" val="10000"/>
+                    <a16:rowId xmlns:a16="http://schemas.microsoft.com/office/drawing/2014/main" xmlns="" val="10000"/>
                   </a:ext>
                 </a:extLst>
               </a:tr>
@@ -12913,7 +12871,7 @@
                 </a:tc>
                 <a:extLst>
                   <a:ext uri="{0D108BD9-81ED-4DB2-BD59-A6C34878D82A}">
-                    <a16:rowId xmlns:a16="http://schemas.microsoft.com/office/drawing/2014/main" val="10001"/>
+                    <a16:rowId xmlns:a16="http://schemas.microsoft.com/office/drawing/2014/main" xmlns="" val="10001"/>
                   </a:ext>
                 </a:extLst>
               </a:tr>
@@ -13631,13 +13589,6 @@
               </a:rPr>
               <a:t>«Повышение дальности стрельбы активно-реактивным снарядом на основе математического моделирования…»</a:t>
             </a:r>
-            <a:endParaRPr lang="ru-RU" sz="1100" dirty="0">
-              <a:solidFill>
-                <a:schemeClr val="tx1"/>
-              </a:solidFill>
-              <a:latin typeface="Times New Roman" panose="02020603050405020304" pitchFamily="18" charset="0"/>
-              <a:cs typeface="Times New Roman" panose="02020603050405020304" pitchFamily="18" charset="0"/>
-            </a:endParaRPr>
           </a:p>
         </p:txBody>
       </p:sp>
@@ -13750,35 +13701,35 @@
                 <a:gridCol w="766125">
                   <a:extLst>
                     <a:ext uri="{9D8B030D-6E8A-4147-A177-3AD203B41FA5}">
-                      <a16:colId xmlns:a16="http://schemas.microsoft.com/office/drawing/2014/main" val="20000"/>
+                      <a16:colId xmlns:a16="http://schemas.microsoft.com/office/drawing/2014/main" xmlns="" val="20000"/>
                     </a:ext>
                   </a:extLst>
                 </a:gridCol>
                 <a:gridCol w="766125">
                   <a:extLst>
                     <a:ext uri="{9D8B030D-6E8A-4147-A177-3AD203B41FA5}">
-                      <a16:colId xmlns:a16="http://schemas.microsoft.com/office/drawing/2014/main" val="20001"/>
+                      <a16:colId xmlns:a16="http://schemas.microsoft.com/office/drawing/2014/main" xmlns="" val="20001"/>
                     </a:ext>
                   </a:extLst>
                 </a:gridCol>
                 <a:gridCol w="766125">
                   <a:extLst>
                     <a:ext uri="{9D8B030D-6E8A-4147-A177-3AD203B41FA5}">
-                      <a16:colId xmlns:a16="http://schemas.microsoft.com/office/drawing/2014/main" val="20002"/>
+                      <a16:colId xmlns:a16="http://schemas.microsoft.com/office/drawing/2014/main" xmlns="" val="20002"/>
                     </a:ext>
                   </a:extLst>
                 </a:gridCol>
                 <a:gridCol w="766125">
                   <a:extLst>
                     <a:ext uri="{9D8B030D-6E8A-4147-A177-3AD203B41FA5}">
-                      <a16:colId xmlns:a16="http://schemas.microsoft.com/office/drawing/2014/main" val="20004"/>
+                      <a16:colId xmlns:a16="http://schemas.microsoft.com/office/drawing/2014/main" xmlns="" val="20004"/>
                     </a:ext>
                   </a:extLst>
                 </a:gridCol>
                 <a:gridCol w="766125">
                   <a:extLst>
                     <a:ext uri="{9D8B030D-6E8A-4147-A177-3AD203B41FA5}">
-                      <a16:colId xmlns:a16="http://schemas.microsoft.com/office/drawing/2014/main" val="20003"/>
+                      <a16:colId xmlns:a16="http://schemas.microsoft.com/office/drawing/2014/main" xmlns="" val="20003"/>
                     </a:ext>
                   </a:extLst>
                 </a:gridCol>
@@ -13918,7 +13869,7 @@
                 </a:tc>
                 <a:extLst>
                   <a:ext uri="{0D108BD9-81ED-4DB2-BD59-A6C34878D82A}">
-                    <a16:rowId xmlns:a16="http://schemas.microsoft.com/office/drawing/2014/main" val="3277355946"/>
+                    <a16:rowId xmlns:a16="http://schemas.microsoft.com/office/drawing/2014/main" xmlns="" val="3277355946"/>
                   </a:ext>
                 </a:extLst>
               </a:tr>
@@ -14057,7 +14008,7 @@
                 </a:tc>
                 <a:extLst>
                   <a:ext uri="{0D108BD9-81ED-4DB2-BD59-A6C34878D82A}">
-                    <a16:rowId xmlns:a16="http://schemas.microsoft.com/office/drawing/2014/main" val="10000"/>
+                    <a16:rowId xmlns:a16="http://schemas.microsoft.com/office/drawing/2014/main" xmlns="" val="10000"/>
                   </a:ext>
                 </a:extLst>
               </a:tr>
@@ -14184,7 +14135,7 @@
                 </a:tc>
                 <a:extLst>
                   <a:ext uri="{0D108BD9-81ED-4DB2-BD59-A6C34878D82A}">
-                    <a16:rowId xmlns:a16="http://schemas.microsoft.com/office/drawing/2014/main" val="10001"/>
+                    <a16:rowId xmlns:a16="http://schemas.microsoft.com/office/drawing/2014/main" xmlns="" val="10001"/>
                   </a:ext>
                 </a:extLst>
               </a:tr>
@@ -14250,7 +14201,7 @@
           <p:nvPr>
             <p:extLst>
               <p:ext uri="{D42A27DB-BD31-4B8C-83A1-F6EECF244321}">
-                <p14:modId xmlns:p14="http://schemas.microsoft.com/office/powerpoint/2010/main" val="3608402013"/>
+                <p14:modId xmlns:p14="http://schemas.microsoft.com/office/powerpoint/2010/main" val="109620491"/>
               </p:ext>
             </p:extLst>
           </p:nvPr>
@@ -14269,35 +14220,35 @@
                 <a:gridCol w="875899">
                   <a:extLst>
                     <a:ext uri="{9D8B030D-6E8A-4147-A177-3AD203B41FA5}">
-                      <a16:colId xmlns:a16="http://schemas.microsoft.com/office/drawing/2014/main" val="20000"/>
+                      <a16:colId xmlns:a16="http://schemas.microsoft.com/office/drawing/2014/main" xmlns="" val="20000"/>
                     </a:ext>
                   </a:extLst>
                 </a:gridCol>
                 <a:gridCol w="752776">
                   <a:extLst>
                     <a:ext uri="{9D8B030D-6E8A-4147-A177-3AD203B41FA5}">
-                      <a16:colId xmlns:a16="http://schemas.microsoft.com/office/drawing/2014/main" val="20001"/>
+                      <a16:colId xmlns:a16="http://schemas.microsoft.com/office/drawing/2014/main" xmlns="" val="20001"/>
                     </a:ext>
                   </a:extLst>
                 </a:gridCol>
                 <a:gridCol w="861060">
                   <a:extLst>
                     <a:ext uri="{9D8B030D-6E8A-4147-A177-3AD203B41FA5}">
-                      <a16:colId xmlns:a16="http://schemas.microsoft.com/office/drawing/2014/main" val="20002"/>
+                      <a16:colId xmlns:a16="http://schemas.microsoft.com/office/drawing/2014/main" xmlns="" val="20002"/>
                     </a:ext>
                   </a:extLst>
                 </a:gridCol>
                 <a:gridCol w="899160">
                   <a:extLst>
                     <a:ext uri="{9D8B030D-6E8A-4147-A177-3AD203B41FA5}">
-                      <a16:colId xmlns:a16="http://schemas.microsoft.com/office/drawing/2014/main" val="20003"/>
+                      <a16:colId xmlns:a16="http://schemas.microsoft.com/office/drawing/2014/main" xmlns="" val="20003"/>
                     </a:ext>
                   </a:extLst>
                 </a:gridCol>
                 <a:gridCol w="990600">
                   <a:extLst>
                     <a:ext uri="{9D8B030D-6E8A-4147-A177-3AD203B41FA5}">
-                      <a16:colId xmlns:a16="http://schemas.microsoft.com/office/drawing/2014/main" val="20004"/>
+                      <a16:colId xmlns:a16="http://schemas.microsoft.com/office/drawing/2014/main" xmlns="" val="20004"/>
                     </a:ext>
                   </a:extLst>
                 </a:gridCol>
@@ -14545,7 +14496,7 @@
                 </a:tc>
                 <a:extLst>
                   <a:ext uri="{0D108BD9-81ED-4DB2-BD59-A6C34878D82A}">
-                    <a16:rowId xmlns:a16="http://schemas.microsoft.com/office/drawing/2014/main" val="2278183065"/>
+                    <a16:rowId xmlns:a16="http://schemas.microsoft.com/office/drawing/2014/main" xmlns="" val="2278183065"/>
                   </a:ext>
                 </a:extLst>
               </a:tr>
@@ -14593,7 +14544,14 @@
                           <a:latin typeface="Times New Roman" panose="02020603050405020304" pitchFamily="18" charset="0"/>
                           <a:cs typeface="Times New Roman" panose="02020603050405020304" pitchFamily="18" charset="0"/>
                         </a:rPr>
-                        <a:t>885</a:t>
+                        <a:t>8</a:t>
+                      </a:r>
+                      <a:r>
+                        <a:rPr lang="en-US" sz="1100" kern="1200" dirty="0" smtClean="0">
+                          <a:latin typeface="Times New Roman" panose="02020603050405020304" pitchFamily="18" charset="0"/>
+                          <a:cs typeface="Times New Roman" panose="02020603050405020304" pitchFamily="18" charset="0"/>
+                        </a:rPr>
+                        <a:t>51</a:t>
                       </a:r>
                       <a:endParaRPr lang="ru-RU" sz="1000" dirty="0">
                         <a:latin typeface="Times New Roman" pitchFamily="18" charset="0"/>
@@ -14692,7 +14650,7 @@
                 </a:tc>
                 <a:extLst>
                   <a:ext uri="{0D108BD9-81ED-4DB2-BD59-A6C34878D82A}">
-                    <a16:rowId xmlns:a16="http://schemas.microsoft.com/office/drawing/2014/main" val="10001"/>
+                    <a16:rowId xmlns:a16="http://schemas.microsoft.com/office/drawing/2014/main" xmlns="" val="10001"/>
                   </a:ext>
                 </a:extLst>
               </a:tr>
@@ -14722,7 +14680,7 @@
           <a:graphicData uri="http://schemas.openxmlformats.org/presentationml/2006/ole">
             <mc:AlternateContent xmlns:mc="http://schemas.openxmlformats.org/markup-compatibility/2006">
               <mc:Choice xmlns:v="urn:schemas-microsoft-com:vml" Requires="v">
-                <p:oleObj spid="_x0000_s52402" name="Формула" r:id="rId3" imgW="266400" imgH="228600" progId="Equation.3">
+                <p:oleObj spid="_x0000_s52414" name="Формула" r:id="rId3" imgW="266400" imgH="228600" progId="Equation.3">
                   <p:embed/>
                 </p:oleObj>
               </mc:Choice>
@@ -14784,7 +14742,7 @@
           <a:graphicData uri="http://schemas.openxmlformats.org/presentationml/2006/ole">
             <mc:AlternateContent xmlns:mc="http://schemas.openxmlformats.org/markup-compatibility/2006">
               <mc:Choice xmlns:v="urn:schemas-microsoft-com:vml" Requires="v">
-                <p:oleObj spid="_x0000_s52403" name="Формула" r:id="rId5" imgW="558720" imgH="228600" progId="Equation.3">
+                <p:oleObj spid="_x0000_s52415" name="Формула" r:id="rId5" imgW="558720" imgH="228600" progId="Equation.3">
                   <p:embed/>
                 </p:oleObj>
               </mc:Choice>
@@ -14846,7 +14804,7 @@
           <a:graphicData uri="http://schemas.openxmlformats.org/presentationml/2006/ole">
             <mc:AlternateContent xmlns:mc="http://schemas.openxmlformats.org/markup-compatibility/2006">
               <mc:Choice xmlns:v="urn:schemas-microsoft-com:vml" Requires="v">
-                <p:oleObj spid="_x0000_s52404" name="Формула" r:id="rId7" imgW="330057" imgH="203112" progId="">
+                <p:oleObj spid="_x0000_s52416" name="Формула" r:id="rId7" imgW="330057" imgH="203112" progId="">
                   <p:embed/>
                 </p:oleObj>
               </mc:Choice>
@@ -15621,13 +15579,6 @@
               </a:rPr>
               <a:t>«Повышение дальности стрельбы активно-реактивным снарядом на основе математического моделирования…»</a:t>
             </a:r>
-            <a:endParaRPr lang="ru-RU" sz="1100" dirty="0">
-              <a:solidFill>
-                <a:schemeClr val="tx1"/>
-              </a:solidFill>
-              <a:latin typeface="Times New Roman" panose="02020603050405020304" pitchFamily="18" charset="0"/>
-              <a:cs typeface="Times New Roman" panose="02020603050405020304" pitchFamily="18" charset="0"/>
-            </a:endParaRPr>
           </a:p>
         </p:txBody>
       </p:sp>
@@ -16391,49 +16342,49 @@
                 <a:gridCol w="885562">
                   <a:extLst>
                     <a:ext uri="{9D8B030D-6E8A-4147-A177-3AD203B41FA5}">
-                      <a16:colId xmlns:a16="http://schemas.microsoft.com/office/drawing/2014/main" val="20000"/>
+                      <a16:colId xmlns:a16="http://schemas.microsoft.com/office/drawing/2014/main" xmlns="" val="20000"/>
                     </a:ext>
                   </a:extLst>
                 </a:gridCol>
                 <a:gridCol w="1016848">
                   <a:extLst>
                     <a:ext uri="{9D8B030D-6E8A-4147-A177-3AD203B41FA5}">
-                      <a16:colId xmlns:a16="http://schemas.microsoft.com/office/drawing/2014/main" val="20001"/>
+                      <a16:colId xmlns:a16="http://schemas.microsoft.com/office/drawing/2014/main" xmlns="" val="20001"/>
                     </a:ext>
                   </a:extLst>
                 </a:gridCol>
                 <a:gridCol w="844766">
                   <a:extLst>
                     <a:ext uri="{9D8B030D-6E8A-4147-A177-3AD203B41FA5}">
-                      <a16:colId xmlns:a16="http://schemas.microsoft.com/office/drawing/2014/main" val="20002"/>
+                      <a16:colId xmlns:a16="http://schemas.microsoft.com/office/drawing/2014/main" xmlns="" val="20002"/>
                     </a:ext>
                   </a:extLst>
                 </a:gridCol>
                 <a:gridCol w="790012">
                   <a:extLst>
                     <a:ext uri="{9D8B030D-6E8A-4147-A177-3AD203B41FA5}">
-                      <a16:colId xmlns:a16="http://schemas.microsoft.com/office/drawing/2014/main" val="20003"/>
+                      <a16:colId xmlns:a16="http://schemas.microsoft.com/office/drawing/2014/main" xmlns="" val="20003"/>
                     </a:ext>
                   </a:extLst>
                 </a:gridCol>
                 <a:gridCol w="915163">
                   <a:extLst>
                     <a:ext uri="{9D8B030D-6E8A-4147-A177-3AD203B41FA5}">
-                      <a16:colId xmlns:a16="http://schemas.microsoft.com/office/drawing/2014/main" val="20004"/>
+                      <a16:colId xmlns:a16="http://schemas.microsoft.com/office/drawing/2014/main" xmlns="" val="20004"/>
                     </a:ext>
                   </a:extLst>
                 </a:gridCol>
                 <a:gridCol w="797834">
                   <a:extLst>
                     <a:ext uri="{9D8B030D-6E8A-4147-A177-3AD203B41FA5}">
-                      <a16:colId xmlns:a16="http://schemas.microsoft.com/office/drawing/2014/main" val="20006"/>
+                      <a16:colId xmlns:a16="http://schemas.microsoft.com/office/drawing/2014/main" xmlns="" val="20006"/>
                     </a:ext>
                   </a:extLst>
                 </a:gridCol>
                 <a:gridCol w="841243">
                   <a:extLst>
                     <a:ext uri="{9D8B030D-6E8A-4147-A177-3AD203B41FA5}">
-                      <a16:colId xmlns:a16="http://schemas.microsoft.com/office/drawing/2014/main" val="20005"/>
+                      <a16:colId xmlns:a16="http://schemas.microsoft.com/office/drawing/2014/main" xmlns="" val="20005"/>
                     </a:ext>
                   </a:extLst>
                 </a:gridCol>
@@ -16660,7 +16611,7 @@
                 </a:tc>
                 <a:extLst>
                   <a:ext uri="{0D108BD9-81ED-4DB2-BD59-A6C34878D82A}">
-                    <a16:rowId xmlns:a16="http://schemas.microsoft.com/office/drawing/2014/main" val="10000"/>
+                    <a16:rowId xmlns:a16="http://schemas.microsoft.com/office/drawing/2014/main" xmlns="" val="10000"/>
                   </a:ext>
                 </a:extLst>
               </a:tr>
@@ -16845,7 +16796,7 @@
                 </a:tc>
                 <a:extLst>
                   <a:ext uri="{0D108BD9-81ED-4DB2-BD59-A6C34878D82A}">
-                    <a16:rowId xmlns:a16="http://schemas.microsoft.com/office/drawing/2014/main" val="10001"/>
+                    <a16:rowId xmlns:a16="http://schemas.microsoft.com/office/drawing/2014/main" xmlns="" val="10001"/>
                   </a:ext>
                 </a:extLst>
               </a:tr>
@@ -16990,7 +16941,7 @@
                 </a:tc>
                 <a:extLst>
                   <a:ext uri="{0D108BD9-81ED-4DB2-BD59-A6C34878D82A}">
-                    <a16:rowId xmlns:a16="http://schemas.microsoft.com/office/drawing/2014/main" val="10002"/>
+                    <a16:rowId xmlns:a16="http://schemas.microsoft.com/office/drawing/2014/main" xmlns="" val="10002"/>
                   </a:ext>
                 </a:extLst>
               </a:tr>
@@ -17223,7 +17174,7 @@
                 </a:tc>
                 <a:extLst>
                   <a:ext uri="{0D108BD9-81ED-4DB2-BD59-A6C34878D82A}">
-                    <a16:rowId xmlns:a16="http://schemas.microsoft.com/office/drawing/2014/main" val="10004"/>
+                    <a16:rowId xmlns:a16="http://schemas.microsoft.com/office/drawing/2014/main" xmlns="" val="10004"/>
                   </a:ext>
                 </a:extLst>
               </a:tr>
@@ -17427,7 +17378,7 @@
                 </a:tc>
                 <a:extLst>
                   <a:ext uri="{0D108BD9-81ED-4DB2-BD59-A6C34878D82A}">
-                    <a16:rowId xmlns:a16="http://schemas.microsoft.com/office/drawing/2014/main" val="10005"/>
+                    <a16:rowId xmlns:a16="http://schemas.microsoft.com/office/drawing/2014/main" xmlns="" val="10005"/>
                   </a:ext>
                 </a:extLst>
               </a:tr>
@@ -17612,7 +17563,7 @@
                 </a:tc>
                 <a:extLst>
                   <a:ext uri="{0D108BD9-81ED-4DB2-BD59-A6C34878D82A}">
-                    <a16:rowId xmlns:a16="http://schemas.microsoft.com/office/drawing/2014/main" val="10007"/>
+                    <a16:rowId xmlns:a16="http://schemas.microsoft.com/office/drawing/2014/main" xmlns="" val="10007"/>
                   </a:ext>
                 </a:extLst>
               </a:tr>
@@ -17776,7 +17727,7 @@
                 </a:tc>
                 <a:extLst>
                   <a:ext uri="{0D108BD9-81ED-4DB2-BD59-A6C34878D82A}">
-                    <a16:rowId xmlns:a16="http://schemas.microsoft.com/office/drawing/2014/main" val="10008"/>
+                    <a16:rowId xmlns:a16="http://schemas.microsoft.com/office/drawing/2014/main" xmlns="" val="10008"/>
                   </a:ext>
                 </a:extLst>
               </a:tr>
@@ -18579,13 +18530,6 @@
               </a:rPr>
               <a:t>«Повышение дальности стрельбы активно-реактивным снарядом на основе математического моделирования…»</a:t>
             </a:r>
-            <a:endParaRPr lang="ru-RU" sz="1100" dirty="0">
-              <a:solidFill>
-                <a:schemeClr val="tx1"/>
-              </a:solidFill>
-              <a:latin typeface="Times New Roman" panose="02020603050405020304" pitchFamily="18" charset="0"/>
-              <a:cs typeface="Times New Roman" panose="02020603050405020304" pitchFamily="18" charset="0"/>
-            </a:endParaRPr>
           </a:p>
         </p:txBody>
       </p:sp>
@@ -20445,13 +20389,6 @@
               </a:rPr>
               <a:t>«Повышение дальности стрельбы активно-реактивным снарядом на основе математического моделирования…»</a:t>
             </a:r>
-            <a:endParaRPr lang="ru-RU" sz="1100" dirty="0">
-              <a:solidFill>
-                <a:schemeClr val="tx1"/>
-              </a:solidFill>
-              <a:latin typeface="Times New Roman" panose="02020603050405020304" pitchFamily="18" charset="0"/>
-              <a:cs typeface="Times New Roman" panose="02020603050405020304" pitchFamily="18" charset="0"/>
-            </a:endParaRPr>
           </a:p>
         </p:txBody>
       </p:sp>
@@ -20996,7 +20933,7 @@
           <a:graphicData uri="http://schemas.openxmlformats.org/presentationml/2006/ole">
             <mc:AlternateContent xmlns:mc="http://schemas.openxmlformats.org/markup-compatibility/2006">
               <mc:Choice xmlns:v="urn:schemas-microsoft-com:vml" Requires="v">
-                <p:oleObj spid="_x0000_s50714" name="Формула" r:id="rId3" imgW="317160" imgH="164880" progId="Equation.3">
+                <p:oleObj spid="_x0000_s50778" name="Формула" r:id="rId3" imgW="317160" imgH="164880" progId="Equation.3">
                   <p:embed/>
                 </p:oleObj>
               </mc:Choice>
@@ -21066,7 +21003,7 @@
           <a:graphicData uri="http://schemas.openxmlformats.org/presentationml/2006/ole">
             <mc:AlternateContent xmlns:mc="http://schemas.openxmlformats.org/markup-compatibility/2006">
               <mc:Choice xmlns:v="urn:schemas-microsoft-com:vml" Requires="v">
-                <p:oleObj spid="_x0000_s50715" name="Формула" r:id="rId5" imgW="1307880" imgH="241200" progId="Equation.3">
+                <p:oleObj spid="_x0000_s50779" name="Формула" r:id="rId5" imgW="1307880" imgH="241200" progId="Equation.3">
                   <p:embed/>
                 </p:oleObj>
               </mc:Choice>
@@ -21136,7 +21073,7 @@
           <a:graphicData uri="http://schemas.openxmlformats.org/presentationml/2006/ole">
             <mc:AlternateContent xmlns:mc="http://schemas.openxmlformats.org/markup-compatibility/2006">
               <mc:Choice xmlns:v="urn:schemas-microsoft-com:vml" Requires="v">
-                <p:oleObj spid="_x0000_s50716" name="Формула" r:id="rId7" imgW="596880" imgH="431640" progId="Equation.3">
+                <p:oleObj spid="_x0000_s50780" name="Формула" r:id="rId7" imgW="596880" imgH="431640" progId="Equation.3">
                   <p:embed/>
                 </p:oleObj>
               </mc:Choice>
@@ -21206,7 +21143,7 @@
           <a:graphicData uri="http://schemas.openxmlformats.org/presentationml/2006/ole">
             <mc:AlternateContent xmlns:mc="http://schemas.openxmlformats.org/markup-compatibility/2006">
               <mc:Choice xmlns:v="urn:schemas-microsoft-com:vml" Requires="v">
-                <p:oleObj spid="_x0000_s50717" name="Формула" r:id="rId9" imgW="1028520" imgH="431640" progId="Equation.3">
+                <p:oleObj spid="_x0000_s50781" name="Формула" r:id="rId9" imgW="1028520" imgH="431640" progId="Equation.3">
                   <p:embed/>
                 </p:oleObj>
               </mc:Choice>
@@ -21276,7 +21213,7 @@
           <a:graphicData uri="http://schemas.openxmlformats.org/presentationml/2006/ole">
             <mc:AlternateContent xmlns:mc="http://schemas.openxmlformats.org/markup-compatibility/2006">
               <mc:Choice xmlns:v="urn:schemas-microsoft-com:vml" Requires="v">
-                <p:oleObj spid="_x0000_s50718" name="Формула" r:id="rId11" imgW="1282680" imgH="228600" progId="Equation.3">
+                <p:oleObj spid="_x0000_s50782" name="Формула" r:id="rId11" imgW="1282680" imgH="228600" progId="Equation.3">
                   <p:embed/>
                 </p:oleObj>
               </mc:Choice>
@@ -21346,7 +21283,7 @@
           <a:graphicData uri="http://schemas.openxmlformats.org/presentationml/2006/ole">
             <mc:AlternateContent xmlns:mc="http://schemas.openxmlformats.org/markup-compatibility/2006">
               <mc:Choice xmlns:v="urn:schemas-microsoft-com:vml" Requires="v">
-                <p:oleObj spid="_x0000_s50719" name="Формула" r:id="rId13" imgW="1130040" imgH="431640" progId="Equation.3">
+                <p:oleObj spid="_x0000_s50783" name="Формула" r:id="rId13" imgW="1130040" imgH="431640" progId="Equation.3">
                   <p:embed/>
                 </p:oleObj>
               </mc:Choice>
@@ -21416,7 +21353,7 @@
           <a:graphicData uri="http://schemas.openxmlformats.org/presentationml/2006/ole">
             <mc:AlternateContent xmlns:mc="http://schemas.openxmlformats.org/markup-compatibility/2006">
               <mc:Choice xmlns:v="urn:schemas-microsoft-com:vml" Requires="v">
-                <p:oleObj spid="_x0000_s50720" name="Формула" r:id="rId15" imgW="1447560" imgH="495000" progId="Equation.3">
+                <p:oleObj spid="_x0000_s50784" name="Формула" r:id="rId15" imgW="1447560" imgH="495000" progId="Equation.3">
                   <p:embed/>
                 </p:oleObj>
               </mc:Choice>
@@ -21486,7 +21423,7 @@
           <a:graphicData uri="http://schemas.openxmlformats.org/presentationml/2006/ole">
             <mc:AlternateContent xmlns:mc="http://schemas.openxmlformats.org/markup-compatibility/2006">
               <mc:Choice xmlns:v="urn:schemas-microsoft-com:vml" Requires="v">
-                <p:oleObj spid="_x0000_s50721" name="Формула" r:id="rId17" imgW="749160" imgH="241200" progId="Equation.3">
+                <p:oleObj spid="_x0000_s50785" name="Формула" r:id="rId17" imgW="749160" imgH="241200" progId="Equation.3">
                   <p:embed/>
                 </p:oleObj>
               </mc:Choice>
@@ -21556,7 +21493,7 @@
           <a:graphicData uri="http://schemas.openxmlformats.org/presentationml/2006/ole">
             <mc:AlternateContent xmlns:mc="http://schemas.openxmlformats.org/markup-compatibility/2006">
               <mc:Choice xmlns:v="urn:schemas-microsoft-com:vml" Requires="v">
-                <p:oleObj spid="_x0000_s50722" name="Формула" r:id="rId19" imgW="1206360" imgH="241200" progId="Equation.3">
+                <p:oleObj spid="_x0000_s50786" name="Формула" r:id="rId19" imgW="1206360" imgH="241200" progId="Equation.3">
                   <p:embed/>
                 </p:oleObj>
               </mc:Choice>
@@ -21626,7 +21563,7 @@
           <a:graphicData uri="http://schemas.openxmlformats.org/presentationml/2006/ole">
             <mc:AlternateContent xmlns:mc="http://schemas.openxmlformats.org/markup-compatibility/2006">
               <mc:Choice xmlns:v="urn:schemas-microsoft-com:vml" Requires="v">
-                <p:oleObj spid="_x0000_s50723" name="Формула" r:id="rId21" imgW="634680" imgH="393480" progId="Equation.3">
+                <p:oleObj spid="_x0000_s50787" name="Формула" r:id="rId21" imgW="634680" imgH="393480" progId="Equation.3">
                   <p:embed/>
                 </p:oleObj>
               </mc:Choice>
@@ -21696,7 +21633,7 @@
           <a:graphicData uri="http://schemas.openxmlformats.org/presentationml/2006/ole">
             <mc:AlternateContent xmlns:mc="http://schemas.openxmlformats.org/markup-compatibility/2006">
               <mc:Choice xmlns:v="urn:schemas-microsoft-com:vml" Requires="v">
-                <p:oleObj spid="_x0000_s50724" name="Уравнение" r:id="rId23" imgW="4356000" imgH="482400" progId="Equation.3">
+                <p:oleObj spid="_x0000_s50788" name="Уравнение" r:id="rId23" imgW="4356000" imgH="482400" progId="Equation.3">
                   <p:embed/>
                 </p:oleObj>
               </mc:Choice>
@@ -21766,7 +21703,7 @@
           <a:graphicData uri="http://schemas.openxmlformats.org/presentationml/2006/ole">
             <mc:AlternateContent xmlns:mc="http://schemas.openxmlformats.org/markup-compatibility/2006">
               <mc:Choice xmlns:v="urn:schemas-microsoft-com:vml" Requires="v">
-                <p:oleObj spid="_x0000_s50725" name="Формула" r:id="rId25" imgW="2946240" imgH="431640" progId="Equation.3">
+                <p:oleObj spid="_x0000_s50789" name="Формула" r:id="rId25" imgW="2946240" imgH="431640" progId="Equation.3">
                   <p:embed/>
                 </p:oleObj>
               </mc:Choice>
@@ -22921,7 +22858,7 @@
           <a:graphicData uri="http://schemas.openxmlformats.org/presentationml/2006/ole">
             <mc:AlternateContent xmlns:mc="http://schemas.openxmlformats.org/markup-compatibility/2006">
               <mc:Choice xmlns:v="urn:schemas-microsoft-com:vml" Requires="v">
-                <p:oleObj spid="_x0000_s50726" name="Picture" r:id="rId27" imgW="5861465" imgH="2543447" progId="Word.Picture.8">
+                <p:oleObj spid="_x0000_s50790" name="Picture" r:id="rId27" imgW="5861465" imgH="2543447" progId="Word.Picture.8">
                   <p:embed/>
                 </p:oleObj>
               </mc:Choice>
@@ -23153,7 +23090,7 @@
           <a:graphicData uri="http://schemas.openxmlformats.org/presentationml/2006/ole">
             <mc:AlternateContent xmlns:mc="http://schemas.openxmlformats.org/markup-compatibility/2006">
               <mc:Choice xmlns:v="urn:schemas-microsoft-com:vml" Requires="v">
-                <p:oleObj spid="_x0000_s50727" name="Уравнение" r:id="rId29" imgW="3593880" imgH="965160" progId="Equation.3">
+                <p:oleObj spid="_x0000_s50791" name="Уравнение" r:id="rId29" imgW="3593880" imgH="965160" progId="Equation.3">
                   <p:embed/>
                 </p:oleObj>
               </mc:Choice>
@@ -23223,7 +23160,7 @@
           <a:graphicData uri="http://schemas.openxmlformats.org/presentationml/2006/ole">
             <mc:AlternateContent xmlns:mc="http://schemas.openxmlformats.org/markup-compatibility/2006">
               <mc:Choice xmlns:v="urn:schemas-microsoft-com:vml" Requires="v">
-                <p:oleObj spid="_x0000_s50728" name="Уравнение" r:id="rId31" imgW="1739880" imgH="241200" progId="Equation.3">
+                <p:oleObj spid="_x0000_s50792" name="Уравнение" r:id="rId31" imgW="1739880" imgH="241200" progId="Equation.3">
                   <p:embed/>
                 </p:oleObj>
               </mc:Choice>
@@ -23293,7 +23230,7 @@
           <a:graphicData uri="http://schemas.openxmlformats.org/presentationml/2006/ole">
             <mc:AlternateContent xmlns:mc="http://schemas.openxmlformats.org/markup-compatibility/2006">
               <mc:Choice xmlns:v="urn:schemas-microsoft-com:vml" Requires="v">
-                <p:oleObj spid="_x0000_s50729" name="Уравнение" r:id="rId33" imgW="1130040" imgH="393480" progId="Equation.3">
+                <p:oleObj spid="_x0000_s50793" name="Уравнение" r:id="rId33" imgW="1130040" imgH="393480" progId="Equation.3">
                   <p:embed/>
                 </p:oleObj>
               </mc:Choice>
@@ -24564,13 +24501,6 @@
               </a:rPr>
               <a:t>«Повышение дальности стрельбы активно-реактивным снарядом на основе математического моделирования…»</a:t>
             </a:r>
-            <a:endParaRPr lang="ru-RU" sz="1100" dirty="0">
-              <a:solidFill>
-                <a:schemeClr val="tx1"/>
-              </a:solidFill>
-              <a:latin typeface="Times New Roman" panose="02020603050405020304" pitchFamily="18" charset="0"/>
-              <a:cs typeface="Times New Roman" panose="02020603050405020304" pitchFamily="18" charset="0"/>
-            </a:endParaRPr>
           </a:p>
         </p:txBody>
       </p:sp>
@@ -25212,7 +25142,7 @@
           <a:graphicData uri="http://schemas.openxmlformats.org/presentationml/2006/ole">
             <mc:AlternateContent xmlns:mc="http://schemas.openxmlformats.org/markup-compatibility/2006">
               <mc:Choice xmlns:v="urn:schemas-microsoft-com:vml" Requires="v">
-                <p:oleObj spid="_x0000_s51570" name="Формула" r:id="rId3" imgW="545760" imgH="241200" progId="Equation.3">
+                <p:oleObj spid="_x0000_s51610" name="Формула" r:id="rId3" imgW="545760" imgH="241200" progId="Equation.3">
                   <p:embed/>
                 </p:oleObj>
               </mc:Choice>
@@ -25507,7 +25437,7 @@
           <a:graphicData uri="http://schemas.openxmlformats.org/presentationml/2006/ole">
             <mc:AlternateContent xmlns:mc="http://schemas.openxmlformats.org/markup-compatibility/2006">
               <mc:Choice xmlns:v="urn:schemas-microsoft-com:vml" Requires="v">
-                <p:oleObj spid="_x0000_s51571" name="Формула" r:id="rId5" imgW="1485720" imgH="609480" progId="Equation.3">
+                <p:oleObj spid="_x0000_s51611" name="Формула" r:id="rId5" imgW="1485720" imgH="609480" progId="Equation.3">
                   <p:embed/>
                 </p:oleObj>
               </mc:Choice>
@@ -25577,7 +25507,7 @@
           <a:graphicData uri="http://schemas.openxmlformats.org/presentationml/2006/ole">
             <mc:AlternateContent xmlns:mc="http://schemas.openxmlformats.org/markup-compatibility/2006">
               <mc:Choice xmlns:v="urn:schemas-microsoft-com:vml" Requires="v">
-                <p:oleObj spid="_x0000_s51572" name="Документ" r:id="rId7" imgW="5046662" imgH="2540557" progId="Word.Document.12">
+                <p:oleObj spid="_x0000_s51612" name="Документ" r:id="rId7" imgW="5046662" imgH="2540557" progId="Word.Document.12">
                   <p:embed/>
                 </p:oleObj>
               </mc:Choice>
@@ -25701,7 +25631,7 @@
           <a:graphicData uri="http://schemas.openxmlformats.org/presentationml/2006/ole">
             <mc:AlternateContent xmlns:mc="http://schemas.openxmlformats.org/markup-compatibility/2006">
               <mc:Choice xmlns:v="urn:schemas-microsoft-com:vml" Requires="v">
-                <p:oleObj spid="_x0000_s51573" name="Формула" r:id="rId9" imgW="1307880" imgH="482400" progId="Equation.3">
+                <p:oleObj spid="_x0000_s51613" name="Формула" r:id="rId9" imgW="1307880" imgH="482400" progId="Equation.3">
                   <p:embed/>
                 </p:oleObj>
               </mc:Choice>
@@ -25875,7 +25805,7 @@
           <a:graphicData uri="http://schemas.openxmlformats.org/presentationml/2006/ole">
             <mc:AlternateContent xmlns:mc="http://schemas.openxmlformats.org/markup-compatibility/2006">
               <mc:Choice xmlns:v="urn:schemas-microsoft-com:vml" Requires="v">
-                <p:oleObj spid="_x0000_s51574" name="Формула" r:id="rId11" imgW="1726920" imgH="266400" progId="Equation.3">
+                <p:oleObj spid="_x0000_s51614" name="Формула" r:id="rId11" imgW="1726920" imgH="266400" progId="Equation.3">
                   <p:embed/>
                 </p:oleObj>
               </mc:Choice>
@@ -25945,7 +25875,7 @@
           <a:graphicData uri="http://schemas.openxmlformats.org/presentationml/2006/ole">
             <mc:AlternateContent xmlns:mc="http://schemas.openxmlformats.org/markup-compatibility/2006">
               <mc:Choice xmlns:v="urn:schemas-microsoft-com:vml" Requires="v">
-                <p:oleObj spid="_x0000_s51575" name="Формула" r:id="rId13" imgW="2044440" imgH="520560" progId="Equation.3">
+                <p:oleObj spid="_x0000_s51615" name="Формула" r:id="rId13" imgW="2044440" imgH="520560" progId="Equation.3">
                   <p:embed/>
                 </p:oleObj>
               </mc:Choice>
@@ -26015,7 +25945,7 @@
           <a:graphicData uri="http://schemas.openxmlformats.org/presentationml/2006/ole">
             <mc:AlternateContent xmlns:mc="http://schemas.openxmlformats.org/markup-compatibility/2006">
               <mc:Choice xmlns:v="urn:schemas-microsoft-com:vml" Requires="v">
-                <p:oleObj spid="_x0000_s51576" name="Формула" r:id="rId15" imgW="1041120" imgH="444240" progId="Equation.3">
+                <p:oleObj spid="_x0000_s51616" name="Формула" r:id="rId15" imgW="1041120" imgH="444240" progId="Equation.3">
                   <p:embed/>
                 </p:oleObj>
               </mc:Choice>
@@ -26085,7 +26015,7 @@
           <a:graphicData uri="http://schemas.openxmlformats.org/presentationml/2006/ole">
             <mc:AlternateContent xmlns:mc="http://schemas.openxmlformats.org/markup-compatibility/2006">
               <mc:Choice xmlns:v="urn:schemas-microsoft-com:vml" Requires="v">
-                <p:oleObj spid="_x0000_s51577" name="Формула" r:id="rId17" imgW="2501640" imgH="533160" progId="Equation.3">
+                <p:oleObj spid="_x0000_s51617" name="Формула" r:id="rId17" imgW="2501640" imgH="533160" progId="Equation.3">
                   <p:embed/>
                 </p:oleObj>
               </mc:Choice>
@@ -27006,7 +26936,7 @@
           <a:graphicData uri="http://schemas.openxmlformats.org/presentationml/2006/ole">
             <mc:AlternateContent xmlns:mc="http://schemas.openxmlformats.org/markup-compatibility/2006">
               <mc:Choice xmlns:v="urn:schemas-microsoft-com:vml" Requires="v">
-                <p:oleObj spid="_x0000_s51578" name="Формула" r:id="rId19" imgW="698400" imgH="241200" progId="Equation.3">
+                <p:oleObj spid="_x0000_s51618" name="Формула" r:id="rId19" imgW="698400" imgH="241200" progId="Equation.3">
                   <p:embed/>
                 </p:oleObj>
               </mc:Choice>
@@ -27076,7 +27006,7 @@
           <a:graphicData uri="http://schemas.openxmlformats.org/presentationml/2006/ole">
             <mc:AlternateContent xmlns:mc="http://schemas.openxmlformats.org/markup-compatibility/2006">
               <mc:Choice xmlns:v="urn:schemas-microsoft-com:vml" Requires="v">
-                <p:oleObj spid="_x0000_s51579" name="Формула" r:id="rId21" imgW="825480" imgH="330120" progId="Equation.3">
+                <p:oleObj spid="_x0000_s51619" name="Формула" r:id="rId21" imgW="825480" imgH="330120" progId="Equation.3">
                   <p:embed/>
                 </p:oleObj>
               </mc:Choice>
@@ -27671,13 +27601,6 @@
               </a:rPr>
               <a:t>«Повышение дальности стрельбы активно-реактивным снарядом на основе математического моделирования…»</a:t>
             </a:r>
-            <a:endParaRPr lang="ru-RU" sz="1100" dirty="0">
-              <a:solidFill>
-                <a:schemeClr val="tx1"/>
-              </a:solidFill>
-              <a:latin typeface="Times New Roman" panose="02020603050405020304" pitchFamily="18" charset="0"/>
-              <a:cs typeface="Times New Roman" panose="02020603050405020304" pitchFamily="18" charset="0"/>
-            </a:endParaRPr>
           </a:p>
         </p:txBody>
       </p:sp>
@@ -28179,7 +28102,7 @@
           <a:graphicData uri="http://schemas.openxmlformats.org/presentationml/2006/ole">
             <mc:AlternateContent xmlns:mc="http://schemas.openxmlformats.org/markup-compatibility/2006">
               <mc:Choice xmlns:v="urn:schemas-microsoft-com:vml" Requires="v">
-                <p:oleObj spid="_x0000_s45791" name="Формула" r:id="rId3" imgW="1409400" imgH="215640" progId="Equation.3">
+                <p:oleObj spid="_x0000_s45799" name="Формула" r:id="rId3" imgW="1409400" imgH="215640" progId="Equation.3">
                   <p:embed/>
                 </p:oleObj>
               </mc:Choice>
@@ -28236,7 +28159,7 @@
           <a:graphicData uri="http://schemas.openxmlformats.org/presentationml/2006/ole">
             <mc:AlternateContent xmlns:mc="http://schemas.openxmlformats.org/markup-compatibility/2006">
               <mc:Choice xmlns:v="urn:schemas-microsoft-com:vml" Requires="v">
-                <p:oleObj spid="_x0000_s45792" name="Уравнение" r:id="rId5" imgW="1079280" imgH="241200" progId="Equation.3">
+                <p:oleObj spid="_x0000_s45800" name="Уравнение" r:id="rId5" imgW="1079280" imgH="241200" progId="Equation.3">
                   <p:embed/>
                 </p:oleObj>
               </mc:Choice>
@@ -28760,14 +28683,14 @@
                     <a:gridCol w="2307912">
                       <a:extLst>
                         <a:ext uri="{9D8B030D-6E8A-4147-A177-3AD203B41FA5}">
-                          <a16:colId xmlns:a16="http://schemas.microsoft.com/office/drawing/2014/main" val="20000"/>
+                          <a16:colId xmlns:a16="http://schemas.microsoft.com/office/drawing/2014/main" xmlns="" val="20000"/>
                         </a:ext>
                       </a:extLst>
                     </a:gridCol>
                     <a:gridCol w="1391700">
                       <a:extLst>
                         <a:ext uri="{9D8B030D-6E8A-4147-A177-3AD203B41FA5}">
-                          <a16:colId xmlns:a16="http://schemas.microsoft.com/office/drawing/2014/main" val="20001"/>
+                          <a16:colId xmlns:a16="http://schemas.microsoft.com/office/drawing/2014/main" xmlns="" val="20001"/>
                         </a:ext>
                       </a:extLst>
                     </a:gridCol>
@@ -28817,7 +28740,7 @@
                     </a:tc>
                     <a:extLst>
                       <a:ext uri="{0D108BD9-81ED-4DB2-BD59-A6C34878D82A}">
-                        <a16:rowId xmlns:a16="http://schemas.microsoft.com/office/drawing/2014/main" val="10000"/>
+                        <a16:rowId xmlns:a16="http://schemas.microsoft.com/office/drawing/2014/main" xmlns="" val="10000"/>
                       </a:ext>
                     </a:extLst>
                   </a:tr>
@@ -28892,7 +28815,7 @@
                     </a:tc>
                     <a:extLst>
                       <a:ext uri="{0D108BD9-81ED-4DB2-BD59-A6C34878D82A}">
-                        <a16:rowId xmlns:a16="http://schemas.microsoft.com/office/drawing/2014/main" val="10001"/>
+                        <a16:rowId xmlns:a16="http://schemas.microsoft.com/office/drawing/2014/main" xmlns="" val="10001"/>
                       </a:ext>
                     </a:extLst>
                   </a:tr>
@@ -28977,7 +28900,7 @@
                     </a:tc>
                     <a:extLst>
                       <a:ext uri="{0D108BD9-81ED-4DB2-BD59-A6C34878D82A}">
-                        <a16:rowId xmlns:a16="http://schemas.microsoft.com/office/drawing/2014/main" val="10002"/>
+                        <a16:rowId xmlns:a16="http://schemas.microsoft.com/office/drawing/2014/main" xmlns="" val="10002"/>
                       </a:ext>
                     </a:extLst>
                   </a:tr>
@@ -29078,7 +29001,7 @@
                     </a:tc>
                     <a:extLst>
                       <a:ext uri="{0D108BD9-81ED-4DB2-BD59-A6C34878D82A}">
-                        <a16:rowId xmlns:a16="http://schemas.microsoft.com/office/drawing/2014/main" val="10003"/>
+                        <a16:rowId xmlns:a16="http://schemas.microsoft.com/office/drawing/2014/main" xmlns="" val="10003"/>
                       </a:ext>
                     </a:extLst>
                   </a:tr>
@@ -29136,7 +29059,7 @@
                     </a:tc>
                     <a:extLst>
                       <a:ext uri="{0D108BD9-81ED-4DB2-BD59-A6C34878D82A}">
-                        <a16:rowId xmlns:a16="http://schemas.microsoft.com/office/drawing/2014/main" val="10004"/>
+                        <a16:rowId xmlns:a16="http://schemas.microsoft.com/office/drawing/2014/main" xmlns="" val="10004"/>
                       </a:ext>
                     </a:extLst>
                   </a:tr>
@@ -29250,7 +29173,7 @@
                     </a:tc>
                     <a:extLst>
                       <a:ext uri="{0D108BD9-81ED-4DB2-BD59-A6C34878D82A}">
-                        <a16:rowId xmlns:a16="http://schemas.microsoft.com/office/drawing/2014/main" val="10005"/>
+                        <a16:rowId xmlns:a16="http://schemas.microsoft.com/office/drawing/2014/main" xmlns="" val="10005"/>
                       </a:ext>
                     </a:extLst>
                   </a:tr>
@@ -29306,7 +29229,7 @@
                     </a:tc>
                     <a:extLst>
                       <a:ext uri="{0D108BD9-81ED-4DB2-BD59-A6C34878D82A}">
-                        <a16:rowId xmlns:a16="http://schemas.microsoft.com/office/drawing/2014/main" val="10006"/>
+                        <a16:rowId xmlns:a16="http://schemas.microsoft.com/office/drawing/2014/main" xmlns="" val="10006"/>
                       </a:ext>
                     </a:extLst>
                   </a:tr>
@@ -30008,13 +29931,6 @@
               </a:rPr>
               <a:t>«Повышение дальности стрельбы активно-реактивным снарядом на основе математического моделирования…»</a:t>
             </a:r>
-            <a:endParaRPr lang="ru-RU" sz="1100" dirty="0">
-              <a:solidFill>
-                <a:schemeClr val="tx1"/>
-              </a:solidFill>
-              <a:latin typeface="Times New Roman" panose="02020603050405020304" pitchFamily="18" charset="0"/>
-              <a:cs typeface="Times New Roman" panose="02020603050405020304" pitchFamily="18" charset="0"/>
-            </a:endParaRPr>
           </a:p>
         </p:txBody>
       </p:sp>
@@ -30396,7 +30312,7 @@
           <a:graphicData uri="http://schemas.openxmlformats.org/presentationml/2006/ole">
             <mc:AlternateContent xmlns:mc="http://schemas.openxmlformats.org/markup-compatibility/2006">
               <mc:Choice xmlns:v="urn:schemas-microsoft-com:vml" Requires="v">
-                <p:oleObj spid="_x0000_s53356" name="Формула" r:id="rId3" imgW="2095200" imgH="228600" progId="Equation.3">
+                <p:oleObj spid="_x0000_s53428" name="Формула" r:id="rId3" imgW="2095200" imgH="228600" progId="Equation.3">
                   <p:embed/>
                 </p:oleObj>
               </mc:Choice>
@@ -30466,7 +30382,7 @@
           <a:graphicData uri="http://schemas.openxmlformats.org/presentationml/2006/ole">
             <mc:AlternateContent xmlns:mc="http://schemas.openxmlformats.org/markup-compatibility/2006">
               <mc:Choice xmlns:v="urn:schemas-microsoft-com:vml" Requires="v">
-                <p:oleObj spid="_x0000_s53357" name="Формула" r:id="rId5" imgW="736560" imgH="228600" progId="Equation.3">
+                <p:oleObj spid="_x0000_s53429" name="Формула" r:id="rId5" imgW="736560" imgH="228600" progId="Equation.3">
                   <p:embed/>
                 </p:oleObj>
               </mc:Choice>
@@ -30973,7 +30889,7 @@
           <a:graphicData uri="http://schemas.openxmlformats.org/presentationml/2006/ole">
             <mc:AlternateContent xmlns:mc="http://schemas.openxmlformats.org/markup-compatibility/2006">
               <mc:Choice xmlns:v="urn:schemas-microsoft-com:vml" Requires="v">
-                <p:oleObj spid="_x0000_s53358" name="Формула" r:id="rId7" imgW="1143000" imgH="228600" progId="Equation.3">
+                <p:oleObj spid="_x0000_s53430" name="Формула" r:id="rId7" imgW="1143000" imgH="228600" progId="Equation.3">
                   <p:embed/>
                 </p:oleObj>
               </mc:Choice>
@@ -31043,7 +30959,7 @@
           <a:graphicData uri="http://schemas.openxmlformats.org/presentationml/2006/ole">
             <mc:AlternateContent xmlns:mc="http://schemas.openxmlformats.org/markup-compatibility/2006">
               <mc:Choice xmlns:v="urn:schemas-microsoft-com:vml" Requires="v">
-                <p:oleObj spid="_x0000_s53359" name="Формула" r:id="rId9" imgW="812520" imgH="228600" progId="Equation.3">
+                <p:oleObj spid="_x0000_s53431" name="Формула" r:id="rId9" imgW="812520" imgH="228600" progId="Equation.3">
                   <p:embed/>
                 </p:oleObj>
               </mc:Choice>
@@ -31113,7 +31029,7 @@
           <a:graphicData uri="http://schemas.openxmlformats.org/presentationml/2006/ole">
             <mc:AlternateContent xmlns:mc="http://schemas.openxmlformats.org/markup-compatibility/2006">
               <mc:Choice xmlns:v="urn:schemas-microsoft-com:vml" Requires="v">
-                <p:oleObj spid="_x0000_s53360" name="Формула" r:id="rId11" imgW="253800" imgH="228600" progId="Equation.3">
+                <p:oleObj spid="_x0000_s53432" name="Формула" r:id="rId11" imgW="253800" imgH="228600" progId="Equation.3">
                   <p:embed/>
                 </p:oleObj>
               </mc:Choice>
@@ -31236,7 +31152,7 @@
           <a:graphicData uri="http://schemas.openxmlformats.org/presentationml/2006/ole">
             <mc:AlternateContent xmlns:mc="http://schemas.openxmlformats.org/markup-compatibility/2006">
               <mc:Choice xmlns:v="urn:schemas-microsoft-com:vml" Requires="v">
-                <p:oleObj spid="_x0000_s53361" name="Формула" r:id="rId13" imgW="241200" imgH="228600" progId="Equation.3">
+                <p:oleObj spid="_x0000_s53433" name="Формула" r:id="rId13" imgW="241200" imgH="228600" progId="Equation.3">
                   <p:embed/>
                 </p:oleObj>
               </mc:Choice>
@@ -31306,7 +31222,7 @@
           <a:graphicData uri="http://schemas.openxmlformats.org/presentationml/2006/ole">
             <mc:AlternateContent xmlns:mc="http://schemas.openxmlformats.org/markup-compatibility/2006">
               <mc:Choice xmlns:v="urn:schemas-microsoft-com:vml" Requires="v">
-                <p:oleObj spid="_x0000_s53362" name="Формула" r:id="rId15" imgW="1447560" imgH="482400" progId="Equation.3">
+                <p:oleObj spid="_x0000_s53434" name="Формула" r:id="rId15" imgW="1447560" imgH="482400" progId="Equation.3">
                   <p:embed/>
                 </p:oleObj>
               </mc:Choice>
@@ -31532,7 +31448,7 @@
           <a:graphicData uri="http://schemas.openxmlformats.org/presentationml/2006/ole">
             <mc:AlternateContent xmlns:mc="http://schemas.openxmlformats.org/markup-compatibility/2006">
               <mc:Choice xmlns:v="urn:schemas-microsoft-com:vml" Requires="v">
-                <p:oleObj spid="_x0000_s53363" name="Уравнение" r:id="rId17" imgW="1422360" imgH="241200" progId="Equation.3">
+                <p:oleObj spid="_x0000_s53435" name="Уравнение" r:id="rId17" imgW="1422360" imgH="241200" progId="Equation.3">
                   <p:embed/>
                 </p:oleObj>
               </mc:Choice>
@@ -31602,7 +31518,7 @@
           <a:graphicData uri="http://schemas.openxmlformats.org/presentationml/2006/ole">
             <mc:AlternateContent xmlns:mc="http://schemas.openxmlformats.org/markup-compatibility/2006">
               <mc:Choice xmlns:v="urn:schemas-microsoft-com:vml" Requires="v">
-                <p:oleObj spid="_x0000_s53364" name="Формула" r:id="rId19" imgW="1168200" imgH="266400" progId="Equation.3">
+                <p:oleObj spid="_x0000_s53436" name="Формула" r:id="rId19" imgW="1168200" imgH="266400" progId="Equation.3">
                   <p:embed/>
                 </p:oleObj>
               </mc:Choice>
@@ -31672,7 +31588,7 @@
           <a:graphicData uri="http://schemas.openxmlformats.org/presentationml/2006/ole">
             <mc:AlternateContent xmlns:mc="http://schemas.openxmlformats.org/markup-compatibility/2006">
               <mc:Choice xmlns:v="urn:schemas-microsoft-com:vml" Requires="v">
-                <p:oleObj spid="_x0000_s53365" name="Уравнение" r:id="rId21" imgW="330120" imgH="241200" progId="Equation.3">
+                <p:oleObj spid="_x0000_s53437" name="Уравнение" r:id="rId21" imgW="330120" imgH="241200" progId="Equation.3">
                   <p:embed/>
                 </p:oleObj>
               </mc:Choice>
@@ -31742,7 +31658,7 @@
           <a:graphicData uri="http://schemas.openxmlformats.org/presentationml/2006/ole">
             <mc:AlternateContent xmlns:mc="http://schemas.openxmlformats.org/markup-compatibility/2006">
               <mc:Choice xmlns:v="urn:schemas-microsoft-com:vml" Requires="v">
-                <p:oleObj spid="_x0000_s53366" name="Формула" r:id="rId23" imgW="850680" imgH="241200" progId="Equation.3">
+                <p:oleObj spid="_x0000_s53438" name="Формула" r:id="rId23" imgW="850680" imgH="241200" progId="Equation.3">
                   <p:embed/>
                 </p:oleObj>
               </mc:Choice>
@@ -31960,7 +31876,7 @@
           <a:graphicData uri="http://schemas.openxmlformats.org/presentationml/2006/ole">
             <mc:AlternateContent xmlns:mc="http://schemas.openxmlformats.org/markup-compatibility/2006">
               <mc:Choice xmlns:v="urn:schemas-microsoft-com:vml" Requires="v">
-                <p:oleObj spid="_x0000_s53367" name="Формула" r:id="rId25" imgW="3454200" imgH="253800" progId="Equation.3">
+                <p:oleObj spid="_x0000_s53439" name="Формула" r:id="rId25" imgW="3454200" imgH="253800" progId="Equation.3">
                   <p:embed/>
                 </p:oleObj>
               </mc:Choice>
@@ -32210,7 +32126,7 @@
           <a:graphicData uri="http://schemas.openxmlformats.org/presentationml/2006/ole">
             <mc:AlternateContent xmlns:mc="http://schemas.openxmlformats.org/markup-compatibility/2006">
               <mc:Choice xmlns:v="urn:schemas-microsoft-com:vml" Requires="v">
-                <p:oleObj spid="_x0000_s53368" name="Уравнение" r:id="rId27" imgW="1307880" imgH="431640" progId="Equation.3">
+                <p:oleObj spid="_x0000_s53440" name="Уравнение" r:id="rId27" imgW="1307880" imgH="431640" progId="Equation.3">
                   <p:embed/>
                 </p:oleObj>
               </mc:Choice>
@@ -32328,7 +32244,7 @@
           <a:graphicData uri="http://schemas.openxmlformats.org/presentationml/2006/ole">
             <mc:AlternateContent xmlns:mc="http://schemas.openxmlformats.org/markup-compatibility/2006">
               <mc:Choice xmlns:v="urn:schemas-microsoft-com:vml" Requires="v">
-                <p:oleObj spid="_x0000_s53369" name="Формула" r:id="rId29" imgW="1955520" imgH="393480" progId="Equation.3">
+                <p:oleObj spid="_x0000_s53441" name="Формула" r:id="rId29" imgW="1955520" imgH="393480" progId="Equation.3">
                   <p:embed/>
                 </p:oleObj>
               </mc:Choice>
@@ -32398,7 +32314,7 @@
           <a:graphicData uri="http://schemas.openxmlformats.org/presentationml/2006/ole">
             <mc:AlternateContent xmlns:mc="http://schemas.openxmlformats.org/markup-compatibility/2006">
               <mc:Choice xmlns:v="urn:schemas-microsoft-com:vml" Requires="v">
-                <p:oleObj spid="_x0000_s53370" name="Формула" r:id="rId31" imgW="2844720" imgH="393480" progId="Equation.3">
+                <p:oleObj spid="_x0000_s53442" name="Формула" r:id="rId31" imgW="2844720" imgH="393480" progId="Equation.3">
                   <p:embed/>
                 </p:oleObj>
               </mc:Choice>
@@ -32468,7 +32384,7 @@
           <a:graphicData uri="http://schemas.openxmlformats.org/presentationml/2006/ole">
             <mc:AlternateContent xmlns:mc="http://schemas.openxmlformats.org/markup-compatibility/2006">
               <mc:Choice xmlns:v="urn:schemas-microsoft-com:vml" Requires="v">
-                <p:oleObj spid="_x0000_s53371" name="Уравнение" r:id="rId33" imgW="1460160" imgH="393480" progId="Equation.3">
+                <p:oleObj spid="_x0000_s53443" name="Уравнение" r:id="rId33" imgW="1460160" imgH="393480" progId="Equation.3">
                   <p:embed/>
                 </p:oleObj>
               </mc:Choice>
@@ -32538,7 +32454,7 @@
           <a:graphicData uri="http://schemas.openxmlformats.org/presentationml/2006/ole">
             <mc:AlternateContent xmlns:mc="http://schemas.openxmlformats.org/markup-compatibility/2006">
               <mc:Choice xmlns:v="urn:schemas-microsoft-com:vml" Requires="v">
-                <p:oleObj spid="_x0000_s53372" name="Формула" r:id="rId35" imgW="1346040" imgH="393480" progId="Equation.3">
+                <p:oleObj spid="_x0000_s53444" name="Формула" r:id="rId35" imgW="1346040" imgH="393480" progId="Equation.3">
                   <p:embed/>
                 </p:oleObj>
               </mc:Choice>
@@ -32608,7 +32524,7 @@
           <a:graphicData uri="http://schemas.openxmlformats.org/presentationml/2006/ole">
             <mc:AlternateContent xmlns:mc="http://schemas.openxmlformats.org/markup-compatibility/2006">
               <mc:Choice xmlns:v="urn:schemas-microsoft-com:vml" Requires="v">
-                <p:oleObj spid="_x0000_s53373" name="Формула" r:id="rId37" imgW="647640" imgH="228600" progId="Equation.3">
+                <p:oleObj spid="_x0000_s53445" name="Формула" r:id="rId37" imgW="647640" imgH="228600" progId="Equation.3">
                   <p:embed/>
                 </p:oleObj>
               </mc:Choice>
@@ -33155,13 +33071,6 @@
               </a:rPr>
               <a:t>«Повышение дальности стрельбы активно-реактивным снарядом на основе математического моделирования…»</a:t>
             </a:r>
-            <a:endParaRPr lang="ru-RU" sz="1100" dirty="0">
-              <a:solidFill>
-                <a:schemeClr val="tx1"/>
-              </a:solidFill>
-              <a:latin typeface="Times New Roman" panose="02020603050405020304" pitchFamily="18" charset="0"/>
-              <a:cs typeface="Times New Roman" panose="02020603050405020304" pitchFamily="18" charset="0"/>
-            </a:endParaRPr>
           </a:p>
         </p:txBody>
       </p:sp>
@@ -33577,7 +33486,7 @@
           <a:graphicData uri="http://schemas.openxmlformats.org/presentationml/2006/ole">
             <mc:AlternateContent xmlns:mc="http://schemas.openxmlformats.org/markup-compatibility/2006">
               <mc:Choice xmlns:v="urn:schemas-microsoft-com:vml" Requires="v">
-                <p:oleObj spid="_x0000_s49839" name="Формула" r:id="rId3" imgW="1422360" imgH="393480" progId="Equation.3">
+                <p:oleObj spid="_x0000_s49899" name="Формула" r:id="rId3" imgW="1422360" imgH="393480" progId="Equation.3">
                   <p:embed/>
                 </p:oleObj>
               </mc:Choice>
@@ -33647,7 +33556,7 @@
           <a:graphicData uri="http://schemas.openxmlformats.org/presentationml/2006/ole">
             <mc:AlternateContent xmlns:mc="http://schemas.openxmlformats.org/markup-compatibility/2006">
               <mc:Choice xmlns:v="urn:schemas-microsoft-com:vml" Requires="v">
-                <p:oleObj spid="_x0000_s49840" name="Формула" r:id="rId5" imgW="1015920" imgH="393480" progId="Equation.3">
+                <p:oleObj spid="_x0000_s49900" name="Формула" r:id="rId5" imgW="1015920" imgH="393480" progId="Equation.3">
                   <p:embed/>
                 </p:oleObj>
               </mc:Choice>
@@ -33717,7 +33626,7 @@
           <a:graphicData uri="http://schemas.openxmlformats.org/presentationml/2006/ole">
             <mc:AlternateContent xmlns:mc="http://schemas.openxmlformats.org/markup-compatibility/2006">
               <mc:Choice xmlns:v="urn:schemas-microsoft-com:vml" Requires="v">
-                <p:oleObj spid="_x0000_s49841" name="Формула" r:id="rId7" imgW="1384200" imgH="393480" progId="Equation.3">
+                <p:oleObj spid="_x0000_s49901" name="Формула" r:id="rId7" imgW="1384200" imgH="393480" progId="Equation.3">
                   <p:embed/>
                 </p:oleObj>
               </mc:Choice>
@@ -33850,7 +33759,7 @@
           <a:graphicData uri="http://schemas.openxmlformats.org/presentationml/2006/ole">
             <mc:AlternateContent xmlns:mc="http://schemas.openxmlformats.org/markup-compatibility/2006">
               <mc:Choice xmlns:v="urn:schemas-microsoft-com:vml" Requires="v">
-                <p:oleObj spid="_x0000_s49842" name="Формула" r:id="rId9" imgW="1866600" imgH="469800" progId="Equation.3">
+                <p:oleObj spid="_x0000_s49902" name="Формула" r:id="rId9" imgW="1866600" imgH="469800" progId="Equation.3">
                   <p:embed/>
                 </p:oleObj>
               </mc:Choice>
@@ -33975,7 +33884,7 @@
           <a:graphicData uri="http://schemas.openxmlformats.org/presentationml/2006/ole">
             <mc:AlternateContent xmlns:mc="http://schemas.openxmlformats.org/markup-compatibility/2006">
               <mc:Choice xmlns:v="urn:schemas-microsoft-com:vml" Requires="v">
-                <p:oleObj spid="_x0000_s49843" name="Формула" r:id="rId11" imgW="1574640" imgH="457200" progId="Equation.3">
+                <p:oleObj spid="_x0000_s49903" name="Формула" r:id="rId11" imgW="1574640" imgH="457200" progId="Equation.3">
                   <p:embed/>
                 </p:oleObj>
               </mc:Choice>
@@ -34108,7 +34017,7 @@
           <a:graphicData uri="http://schemas.openxmlformats.org/presentationml/2006/ole">
             <mc:AlternateContent xmlns:mc="http://schemas.openxmlformats.org/markup-compatibility/2006">
               <mc:Choice xmlns:v="urn:schemas-microsoft-com:vml" Requires="v">
-                <p:oleObj spid="_x0000_s49844" name="Формула" r:id="rId13" imgW="1282680" imgH="495000" progId="Equation.3">
+                <p:oleObj spid="_x0000_s49904" name="Формула" r:id="rId13" imgW="1282680" imgH="495000" progId="Equation.3">
                   <p:embed/>
                 </p:oleObj>
               </mc:Choice>
@@ -34178,7 +34087,7 @@
           <a:graphicData uri="http://schemas.openxmlformats.org/presentationml/2006/ole">
             <mc:AlternateContent xmlns:mc="http://schemas.openxmlformats.org/markup-compatibility/2006">
               <mc:Choice xmlns:v="urn:schemas-microsoft-com:vml" Requires="v">
-                <p:oleObj spid="_x0000_s49845" name="Формула" r:id="rId15" imgW="1485720" imgH="457200" progId="Equation.3">
+                <p:oleObj spid="_x0000_s49905" name="Формула" r:id="rId15" imgW="1485720" imgH="457200" progId="Equation.3">
                   <p:embed/>
                 </p:oleObj>
               </mc:Choice>
@@ -35128,7 +35037,7 @@
           <a:graphicData uri="http://schemas.openxmlformats.org/presentationml/2006/ole">
             <mc:AlternateContent xmlns:mc="http://schemas.openxmlformats.org/markup-compatibility/2006">
               <mc:Choice xmlns:v="urn:schemas-microsoft-com:vml" Requires="v">
-                <p:oleObj spid="_x0000_s49846" name="Формула" r:id="rId17" imgW="863280" imgH="266400" progId="Equation.3">
+                <p:oleObj spid="_x0000_s49906" name="Формула" r:id="rId17" imgW="863280" imgH="266400" progId="Equation.3">
                   <p:embed/>
                 </p:oleObj>
               </mc:Choice>
@@ -35458,7 +35367,7 @@
           <a:graphicData uri="http://schemas.openxmlformats.org/presentationml/2006/ole">
             <mc:AlternateContent xmlns:mc="http://schemas.openxmlformats.org/markup-compatibility/2006">
               <mc:Choice xmlns:v="urn:schemas-microsoft-com:vml" Requires="v">
-                <p:oleObj spid="_x0000_s49847" name="Уравнение" r:id="rId19" imgW="1879560" imgH="228600" progId="Equation.3">
+                <p:oleObj spid="_x0000_s49907" name="Уравнение" r:id="rId19" imgW="1879560" imgH="228600" progId="Equation.3">
                   <p:embed/>
                 </p:oleObj>
               </mc:Choice>
@@ -35528,7 +35437,7 @@
           <a:graphicData uri="http://schemas.openxmlformats.org/presentationml/2006/ole">
             <mc:AlternateContent xmlns:mc="http://schemas.openxmlformats.org/markup-compatibility/2006">
               <mc:Choice xmlns:v="urn:schemas-microsoft-com:vml" Requires="v">
-                <p:oleObj spid="_x0000_s49848" name="Формула" r:id="rId21" imgW="2019240" imgH="228600" progId="Equation.3">
+                <p:oleObj spid="_x0000_s49908" name="Формула" r:id="rId21" imgW="2019240" imgH="228600" progId="Equation.3">
                   <p:embed/>
                 </p:oleObj>
               </mc:Choice>
@@ -35598,7 +35507,7 @@
           <a:graphicData uri="http://schemas.openxmlformats.org/presentationml/2006/ole">
             <mc:AlternateContent xmlns:mc="http://schemas.openxmlformats.org/markup-compatibility/2006">
               <mc:Choice xmlns:v="urn:schemas-microsoft-com:vml" Requires="v">
-                <p:oleObj spid="_x0000_s49849" name="Формула" r:id="rId23" imgW="812520" imgH="393480" progId="Equation.3">
+                <p:oleObj spid="_x0000_s49909" name="Формула" r:id="rId23" imgW="812520" imgH="393480" progId="Equation.3">
                   <p:embed/>
                 </p:oleObj>
               </mc:Choice>
@@ -35817,7 +35726,7 @@
           <a:graphicData uri="http://schemas.openxmlformats.org/presentationml/2006/ole">
             <mc:AlternateContent xmlns:mc="http://schemas.openxmlformats.org/markup-compatibility/2006">
               <mc:Choice xmlns:v="urn:schemas-microsoft-com:vml" Requires="v">
-                <p:oleObj spid="_x0000_s49850" name="Уравнение" r:id="rId25" imgW="685800" imgH="431640" progId="Equation.3">
+                <p:oleObj spid="_x0000_s49910" name="Уравнение" r:id="rId25" imgW="685800" imgH="431640" progId="Equation.3">
                   <p:embed/>
                 </p:oleObj>
               </mc:Choice>
@@ -36022,7 +35931,7 @@
           <a:graphicData uri="http://schemas.openxmlformats.org/presentationml/2006/ole">
             <mc:AlternateContent xmlns:mc="http://schemas.openxmlformats.org/markup-compatibility/2006">
               <mc:Choice xmlns:v="urn:schemas-microsoft-com:vml" Requires="v">
-                <p:oleObj spid="_x0000_s49851" name="Уравнение" r:id="rId27" imgW="164880" imgH="228600" progId="Equation.3">
+                <p:oleObj spid="_x0000_s49911" name="Уравнение" r:id="rId27" imgW="164880" imgH="228600" progId="Equation.3">
                   <p:embed/>
                 </p:oleObj>
               </mc:Choice>
@@ -36206,7 +36115,7 @@
           <a:graphicData uri="http://schemas.openxmlformats.org/presentationml/2006/ole">
             <mc:AlternateContent xmlns:mc="http://schemas.openxmlformats.org/markup-compatibility/2006">
               <mc:Choice xmlns:v="urn:schemas-microsoft-com:vml" Requires="v">
-                <p:oleObj spid="_x0000_s49852" name="Формула" r:id="rId29" imgW="393480" imgH="228600" progId="Equation.3">
+                <p:oleObj spid="_x0000_s49912" name="Формула" r:id="rId29" imgW="393480" imgH="228600" progId="Equation.3">
                   <p:embed/>
                 </p:oleObj>
               </mc:Choice>
@@ -36390,7 +36299,7 @@
           <a:graphicData uri="http://schemas.openxmlformats.org/presentationml/2006/ole">
             <mc:AlternateContent xmlns:mc="http://schemas.openxmlformats.org/markup-compatibility/2006">
               <mc:Choice xmlns:v="urn:schemas-microsoft-com:vml" Requires="v">
-                <p:oleObj spid="_x0000_s49853" name="Picture" r:id="rId31" imgW="3970895" imgH="2272490" progId="Word.Picture.8">
+                <p:oleObj spid="_x0000_s49913" name="Picture" r:id="rId31" imgW="3970895" imgH="2272490" progId="Word.Picture.8">
                   <p:embed/>
                 </p:oleObj>
               </mc:Choice>
@@ -36934,13 +36843,6 @@
               </a:rPr>
               <a:t>«Повышение дальности стрельбы активно-реактивным снарядом на основе математического моделирования…»</a:t>
             </a:r>
-            <a:endParaRPr lang="ru-RU" sz="1100" dirty="0">
-              <a:solidFill>
-                <a:schemeClr val="tx1"/>
-              </a:solidFill>
-              <a:latin typeface="Times New Roman" panose="02020603050405020304" pitchFamily="18" charset="0"/>
-              <a:cs typeface="Times New Roman" panose="02020603050405020304" pitchFamily="18" charset="0"/>
-            </a:endParaRPr>
           </a:p>
         </p:txBody>
       </p:sp>
@@ -37908,7 +37810,7 @@
           <a:graphicData uri="http://schemas.openxmlformats.org/presentationml/2006/ole">
             <mc:AlternateContent xmlns:mc="http://schemas.openxmlformats.org/markup-compatibility/2006">
               <mc:Choice xmlns:v="urn:schemas-microsoft-com:vml" Requires="v">
-                <p:oleObj spid="_x0000_s47055" name="Формула" r:id="rId4" imgW="1688760" imgH="228600" progId="Equation.3">
+                <p:oleObj spid="_x0000_s54283" name="Формула" r:id="rId4" imgW="1688760" imgH="228600" progId="Equation.3">
                   <p:embed/>
                 </p:oleObj>
               </mc:Choice>
@@ -38101,28 +38003,28 @@
                 <a:gridCol w="957353">
                   <a:extLst>
                     <a:ext uri="{9D8B030D-6E8A-4147-A177-3AD203B41FA5}">
-                      <a16:colId xmlns:a16="http://schemas.microsoft.com/office/drawing/2014/main" val="1044631594"/>
+                      <a16:colId xmlns:a16="http://schemas.microsoft.com/office/drawing/2014/main" xmlns="" val="1044631594"/>
                     </a:ext>
                   </a:extLst>
                 </a:gridCol>
                 <a:gridCol w="957353">
                   <a:extLst>
                     <a:ext uri="{9D8B030D-6E8A-4147-A177-3AD203B41FA5}">
-                      <a16:colId xmlns:a16="http://schemas.microsoft.com/office/drawing/2014/main" val="2558395021"/>
+                      <a16:colId xmlns:a16="http://schemas.microsoft.com/office/drawing/2014/main" xmlns="" val="2558395021"/>
                     </a:ext>
                   </a:extLst>
                 </a:gridCol>
                 <a:gridCol w="957353">
                   <a:extLst>
                     <a:ext uri="{9D8B030D-6E8A-4147-A177-3AD203B41FA5}">
-                      <a16:colId xmlns:a16="http://schemas.microsoft.com/office/drawing/2014/main" val="2212677439"/>
+                      <a16:colId xmlns:a16="http://schemas.microsoft.com/office/drawing/2014/main" xmlns="" val="2212677439"/>
                     </a:ext>
                   </a:extLst>
                 </a:gridCol>
                 <a:gridCol w="957353">
                   <a:extLst>
                     <a:ext uri="{9D8B030D-6E8A-4147-A177-3AD203B41FA5}">
-                      <a16:colId xmlns:a16="http://schemas.microsoft.com/office/drawing/2014/main" val="851063209"/>
+                      <a16:colId xmlns:a16="http://schemas.microsoft.com/office/drawing/2014/main" xmlns="" val="851063209"/>
                     </a:ext>
                   </a:extLst>
                 </a:gridCol>
@@ -38186,7 +38088,7 @@
                 </a:tc>
                 <a:extLst>
                   <a:ext uri="{0D108BD9-81ED-4DB2-BD59-A6C34878D82A}">
-                    <a16:rowId xmlns:a16="http://schemas.microsoft.com/office/drawing/2014/main" val="1185514864"/>
+                    <a16:rowId xmlns:a16="http://schemas.microsoft.com/office/drawing/2014/main" xmlns="" val="1185514864"/>
                   </a:ext>
                 </a:extLst>
               </a:tr>
@@ -38339,7 +38241,7 @@
                 </a:tc>
                 <a:extLst>
                   <a:ext uri="{0D108BD9-81ED-4DB2-BD59-A6C34878D82A}">
-                    <a16:rowId xmlns:a16="http://schemas.microsoft.com/office/drawing/2014/main" val="10001"/>
+                    <a16:rowId xmlns:a16="http://schemas.microsoft.com/office/drawing/2014/main" xmlns="" val="10001"/>
                   </a:ext>
                 </a:extLst>
               </a:tr>
@@ -38629,7 +38531,7 @@
                 </a:tc>
                 <a:extLst>
                   <a:ext uri="{0D108BD9-81ED-4DB2-BD59-A6C34878D82A}">
-                    <a16:rowId xmlns:a16="http://schemas.microsoft.com/office/drawing/2014/main" val="627226478"/>
+                    <a16:rowId xmlns:a16="http://schemas.microsoft.com/office/drawing/2014/main" xmlns="" val="627226478"/>
                   </a:ext>
                 </a:extLst>
               </a:tr>
@@ -38799,7 +38701,7 @@
                 </a:tc>
                 <a:extLst>
                   <a:ext uri="{0D108BD9-81ED-4DB2-BD59-A6C34878D82A}">
-                    <a16:rowId xmlns:a16="http://schemas.microsoft.com/office/drawing/2014/main" val="10003"/>
+                    <a16:rowId xmlns:a16="http://schemas.microsoft.com/office/drawing/2014/main" xmlns="" val="10003"/>
                   </a:ext>
                 </a:extLst>
               </a:tr>
@@ -38829,7 +38731,7 @@
           <a:graphicData uri="http://schemas.openxmlformats.org/presentationml/2006/ole">
             <mc:AlternateContent xmlns:mc="http://schemas.openxmlformats.org/markup-compatibility/2006">
               <mc:Choice xmlns:v="urn:schemas-microsoft-com:vml" Requires="v">
-                <p:oleObj spid="_x0000_s47056" name="Уравнение" r:id="rId6" imgW="406080" imgH="190440" progId="Equation.3">
+                <p:oleObj spid="_x0000_s54284" name="Уравнение" r:id="rId6" imgW="406080" imgH="190440" progId="Equation.3">
                   <p:embed/>
                 </p:oleObj>
               </mc:Choice>
@@ -38899,7 +38801,7 @@
           <a:graphicData uri="http://schemas.openxmlformats.org/presentationml/2006/ole">
             <mc:AlternateContent xmlns:mc="http://schemas.openxmlformats.org/markup-compatibility/2006">
               <mc:Choice xmlns:v="urn:schemas-microsoft-com:vml" Requires="v">
-                <p:oleObj spid="_x0000_s47057" name="Уравнение" r:id="rId8" imgW="419040" imgH="215640" progId="Equation.3">
+                <p:oleObj spid="_x0000_s54285" name="Уравнение" r:id="rId8" imgW="419040" imgH="215640" progId="Equation.3">
                   <p:embed/>
                 </p:oleObj>
               </mc:Choice>
@@ -38969,7 +38871,7 @@
           <a:graphicData uri="http://schemas.openxmlformats.org/presentationml/2006/ole">
             <mc:AlternateContent xmlns:mc="http://schemas.openxmlformats.org/markup-compatibility/2006">
               <mc:Choice xmlns:v="urn:schemas-microsoft-com:vml" Requires="v">
-                <p:oleObj spid="_x0000_s47058" name="Формула" r:id="rId10" imgW="419040" imgH="215640" progId="Equation.3">
+                <p:oleObj spid="_x0000_s54286" name="Формула" r:id="rId10" imgW="419040" imgH="215640" progId="Equation.3">
                   <p:embed/>
                 </p:oleObj>
               </mc:Choice>
@@ -39039,7 +38941,7 @@
           <a:graphicData uri="http://schemas.openxmlformats.org/presentationml/2006/ole">
             <mc:AlternateContent xmlns:mc="http://schemas.openxmlformats.org/markup-compatibility/2006">
               <mc:Choice xmlns:v="urn:schemas-microsoft-com:vml" Requires="v">
-                <p:oleObj spid="_x0000_s47059" name="Формула" r:id="rId12" imgW="304560" imgH="215640" progId="Equation.3">
+                <p:oleObj spid="_x0000_s54287" name="Формула" r:id="rId12" imgW="304560" imgH="215640" progId="Equation.3">
                   <p:embed/>
                 </p:oleObj>
               </mc:Choice>
@@ -39200,7 +39102,7 @@
           <a:graphicData uri="http://schemas.openxmlformats.org/presentationml/2006/ole">
             <mc:AlternateContent xmlns:mc="http://schemas.openxmlformats.org/markup-compatibility/2006">
               <mc:Choice xmlns:v="urn:schemas-microsoft-com:vml" Requires="v">
-                <p:oleObj spid="_x0000_s47060" name="Формула" r:id="rId14" imgW="799920" imgH="228600" progId="Equation.3">
+                <p:oleObj spid="_x0000_s54288" name="Формула" r:id="rId14" imgW="799920" imgH="228600" progId="Equation.3">
                   <p:embed/>
                 </p:oleObj>
               </mc:Choice>
@@ -39257,7 +39159,7 @@
           <a:graphicData uri="http://schemas.openxmlformats.org/presentationml/2006/ole">
             <mc:AlternateContent xmlns:mc="http://schemas.openxmlformats.org/markup-compatibility/2006">
               <mc:Choice xmlns:v="urn:schemas-microsoft-com:vml" Requires="v">
-                <p:oleObj spid="_x0000_s47061" name="Equation" r:id="rId16" imgW="838080" imgH="215640" progId="Equation.3">
+                <p:oleObj spid="_x0000_s54289" name="Equation" r:id="rId16" imgW="838080" imgH="215640" progId="Equation.3">
                   <p:embed/>
                 </p:oleObj>
               </mc:Choice>
@@ -39342,7 +39244,7 @@
               <a:graphicData uri="http://schemas.openxmlformats.org/presentationml/2006/ole">
                 <mc:AlternateContent xmlns:mc="http://schemas.openxmlformats.org/markup-compatibility/2006">
                   <mc:Choice xmlns:v="urn:schemas-microsoft-com:vml" Requires="v">
-                    <p:oleObj spid="_x0000_s47062" name="Уравнение" r:id="rId18" imgW="228600" imgH="228600" progId="Equation.3">
+                    <p:oleObj spid="_x0000_s54290" name="Уравнение" r:id="rId18" imgW="228600" imgH="228600" progId="Equation.3">
                       <p:embed/>
                     </p:oleObj>
                   </mc:Choice>
@@ -39412,7 +39314,7 @@
               <a:graphicData uri="http://schemas.openxmlformats.org/presentationml/2006/ole">
                 <mc:AlternateContent xmlns:mc="http://schemas.openxmlformats.org/markup-compatibility/2006">
                   <mc:Choice xmlns:v="urn:schemas-microsoft-com:vml" Requires="v">
-                    <p:oleObj spid="_x0000_s47063" name="Формула" r:id="rId20" imgW="164885" imgH="164885" progId="Equation.3">
+                    <p:oleObj spid="_x0000_s54291" name="Формула" r:id="rId20" imgW="164885" imgH="164885" progId="Equation.3">
                       <p:embed/>
                     </p:oleObj>
                   </mc:Choice>
@@ -39599,7 +39501,7 @@
                     <a:graphicData uri="http://schemas.openxmlformats.org/presentationml/2006/ole">
                       <mc:AlternateContent xmlns:mc="http://schemas.openxmlformats.org/markup-compatibility/2006">
                         <mc:Choice xmlns:v="urn:schemas-microsoft-com:vml" Requires="v">
-                          <p:oleObj spid="_x0000_s47064" name="Уравнение" r:id="rId22" imgW="164880" imgH="228600" progId="Equation.3">
+                          <p:oleObj spid="_x0000_s54292" name="Уравнение" r:id="rId22" imgW="164880" imgH="228600" progId="Equation.3">
                             <p:embed/>
                           </p:oleObj>
                         </mc:Choice>
@@ -39669,7 +39571,7 @@
                     <a:graphicData uri="http://schemas.openxmlformats.org/presentationml/2006/ole">
                       <mc:AlternateContent xmlns:mc="http://schemas.openxmlformats.org/markup-compatibility/2006">
                         <mc:Choice xmlns:v="urn:schemas-microsoft-com:vml" Requires="v">
-                          <p:oleObj spid="_x0000_s47065" name="Equation" r:id="rId24" imgW="228600" imgH="228600" progId="Equation.3">
+                          <p:oleObj spid="_x0000_s54293" name="Equation" r:id="rId24" imgW="228600" imgH="228600" progId="Equation.3">
                             <p:embed/>
                           </p:oleObj>
                         </mc:Choice>
@@ -39739,7 +39641,7 @@
                     <a:graphicData uri="http://schemas.openxmlformats.org/presentationml/2006/ole">
                       <mc:AlternateContent xmlns:mc="http://schemas.openxmlformats.org/markup-compatibility/2006">
                         <mc:Choice xmlns:v="urn:schemas-microsoft-com:vml" Requires="v">
-                          <p:oleObj spid="_x0000_s47066" name="Equation" r:id="rId26" imgW="215640" imgH="228600" progId="Equation.3">
+                          <p:oleObj spid="_x0000_s54294" name="Equation" r:id="rId26" imgW="215640" imgH="228600" progId="Equation.3">
                             <p:embed/>
                           </p:oleObj>
                         </mc:Choice>
@@ -40330,7 +40232,7 @@
                       <a:graphicData uri="http://schemas.openxmlformats.org/presentationml/2006/ole">
                         <mc:AlternateContent xmlns:mc="http://schemas.openxmlformats.org/markup-compatibility/2006">
                           <mc:Choice xmlns:v="urn:schemas-microsoft-com:vml" Requires="v">
-                            <p:oleObj spid="_x0000_s47067" name="Уравнение" r:id="rId28" imgW="203040" imgH="215640" progId="Equation.3">
+                            <p:oleObj spid="_x0000_s54295" name="Уравнение" r:id="rId28" imgW="203040" imgH="215640" progId="Equation.3">
                               <p:embed/>
                             </p:oleObj>
                           </mc:Choice>
@@ -40752,7 +40654,7 @@
           <a:graphicData uri="http://schemas.openxmlformats.org/presentationml/2006/ole">
             <mc:AlternateContent xmlns:mc="http://schemas.openxmlformats.org/markup-compatibility/2006">
               <mc:Choice xmlns:v="urn:schemas-microsoft-com:vml" Requires="v">
-                <p:oleObj spid="_x0000_s47068" name="Формула" r:id="rId30" imgW="1091880" imgH="228600" progId="Equation.3">
+                <p:oleObj spid="_x0000_s54296" name="Формула" r:id="rId30" imgW="1091880" imgH="228600" progId="Equation.3">
                   <p:embed/>
                 </p:oleObj>
               </mc:Choice>
@@ -40809,25 +40711,25 @@
           <p:nvPr>
             <p:extLst>
               <p:ext uri="{D42A27DB-BD31-4B8C-83A1-F6EECF244321}">
-                <p14:modId xmlns:p14="http://schemas.microsoft.com/office/powerpoint/2010/main" val="834478557"/>
+                <p14:modId xmlns:p14="http://schemas.microsoft.com/office/powerpoint/2010/main" val="2166640866"/>
               </p:ext>
             </p:extLst>
           </p:nvPr>
         </p:nvGraphicFramePr>
         <p:xfrm>
-          <a:off x="203200" y="855663"/>
-          <a:ext cx="1905000" cy="228600"/>
+          <a:off x="50800" y="842963"/>
+          <a:ext cx="2209800" cy="254000"/>
         </p:xfrm>
         <a:graphic>
           <a:graphicData uri="http://schemas.openxmlformats.org/presentationml/2006/ole">
             <mc:AlternateContent xmlns:mc="http://schemas.openxmlformats.org/markup-compatibility/2006">
               <mc:Choice xmlns:v="urn:schemas-microsoft-com:vml" Requires="v">
-                <p:oleObj spid="_x0000_s47069" name="Уравнение" r:id="rId32" imgW="1904760" imgH="228600" progId="Equation.3">
+                <p:oleObj spid="_x0000_s54297" name="Формула" r:id="rId32" imgW="2209680" imgH="253800" progId="Equation.3">
                   <p:embed/>
                 </p:oleObj>
               </mc:Choice>
               <mc:Fallback>
-                <p:oleObj name="Уравнение" r:id="rId32" imgW="1904760" imgH="228600" progId="Equation.3">
+                <p:oleObj name="Формула" r:id="rId32" imgW="2209680" imgH="253800" progId="Equation.3">
                   <p:embed/>
                   <p:pic>
                     <p:nvPicPr>
@@ -40846,8 +40748,8 @@
                     </p:blipFill>
                     <p:spPr bwMode="auto">
                       <a:xfrm>
-                        <a:off x="203200" y="855663"/>
-                        <a:ext cx="1905000" cy="228600"/>
+                        <a:off x="50800" y="842963"/>
+                        <a:ext cx="2209800" cy="254000"/>
                       </a:xfrm>
                       <a:prstGeom prst="rect">
                         <a:avLst/>
@@ -40870,8 +40772,8 @@
           </a:graphicData>
         </a:graphic>
       </p:graphicFrame>
-      <mc:AlternateContent xmlns:mc="http://schemas.openxmlformats.org/markup-compatibility/2006" xmlns:a14="http://schemas.microsoft.com/office/drawing/2010/main">
-        <mc:Choice Requires="a14">
+      <mc:AlternateContent xmlns:mc="http://schemas.openxmlformats.org/markup-compatibility/2006">
+        <mc:Choice xmlns:a14="http://schemas.microsoft.com/office/drawing/2010/main" Requires="a14">
           <p:sp>
             <p:nvSpPr>
               <p:cNvPr id="89" name="Прямоугольник 88"/>
@@ -40881,7 +40783,7 @@
             <p:spPr>
               <a:xfrm>
                 <a:off x="132437" y="1027396"/>
-                <a:ext cx="6476004" cy="957955"/>
+                <a:ext cx="6476004" cy="970330"/>
               </a:xfrm>
               <a:prstGeom prst="rect">
                 <a:avLst/>
@@ -41018,56 +40920,52 @@
                     <a:spcPct val="125000"/>
                   </a:lnSpc>
                 </a:pPr>
-                <a14:m>
-                  <m:oMath xmlns:m="http://schemas.openxmlformats.org/officeDocument/2006/math">
-                    <m:sSub>
-                      <m:sSubPr>
-                        <m:ctrlPr>
-                          <a:rPr lang="en-US" sz="1100" i="1">
-                            <a:latin typeface="Cambria Math" panose="02040503050406030204" pitchFamily="18" charset="0"/>
-                            <a:ea typeface="Cambria Math"/>
-                            <a:cs typeface="Times New Roman" pitchFamily="18" charset="0"/>
-                          </a:rPr>
-                        </m:ctrlPr>
-                      </m:sSubPr>
-                      <m:e>
-                        <m:r>
-                          <a:rPr lang="en-US" sz="1100" b="0" i="1" smtClean="0">
-                            <a:latin typeface="Cambria Math" panose="02040503050406030204" pitchFamily="18" charset="0"/>
-                            <a:ea typeface="Cambria Math"/>
-                            <a:cs typeface="Times New Roman" pitchFamily="18" charset="0"/>
-                          </a:rPr>
-                          <m:t>𝑉</m:t>
-                        </m:r>
-                      </m:e>
-                      <m:sub>
-                        <m:r>
-                          <a:rPr lang="en-US" sz="1100" i="1">
-                            <a:latin typeface="Cambria Math" panose="02040503050406030204" pitchFamily="18" charset="0"/>
-                            <a:ea typeface="Cambria Math"/>
-                            <a:cs typeface="Times New Roman" pitchFamily="18" charset="0"/>
-                          </a:rPr>
-                          <m:t>0</m:t>
-                        </m:r>
-                      </m:sub>
-                    </m:sSub>
-                    <m:r>
-                      <a:rPr lang="ru-RU" sz="1100" i="1">
-                        <a:latin typeface="Cambria Math" panose="02040503050406030204" pitchFamily="18" charset="0"/>
-                        <a:ea typeface="Cambria Math"/>
-                        <a:cs typeface="Times New Roman" pitchFamily="18" charset="0"/>
-                      </a:rPr>
-                      <m:t> −</m:t>
-                    </m:r>
-                  </m:oMath>
-                </a14:m>
+                <a:r>
+                  <a:rPr lang="en-US" sz="1100" i="1" dirty="0" smtClean="0">
+                    <a:latin typeface="Times New Roman" panose="02020603050405020304" pitchFamily="18" charset="0"/>
+                    <a:ea typeface="Cambria Math"/>
+                    <a:cs typeface="Times New Roman" panose="02020603050405020304" pitchFamily="18" charset="0"/>
+                  </a:rPr>
+                  <a:t>v</a:t>
+                </a:r>
+                <a:r>
+                  <a:rPr lang="ru-RU" sz="1100" baseline="-25000" dirty="0" smtClean="0">
+                    <a:latin typeface="Times New Roman" panose="02020603050405020304" pitchFamily="18" charset="0"/>
+                    <a:ea typeface="Cambria Math"/>
+                    <a:cs typeface="Times New Roman" panose="02020603050405020304" pitchFamily="18" charset="0"/>
+                  </a:rPr>
+                  <a:t>д</a:t>
+                </a:r>
                 <a:r>
                   <a:rPr lang="ru-RU" sz="1100" dirty="0" smtClean="0">
                     <a:latin typeface="Times New Roman" pitchFamily="18" charset="0"/>
                     <a:ea typeface="Cambria Math"/>
                     <a:cs typeface="Times New Roman" pitchFamily="18" charset="0"/>
                   </a:rPr>
-                  <a:t> дульная скорость снаряда; </a:t>
+                  <a:t> </a:t>
+                </a:r>
+                <a:r>
+                  <a:rPr lang="en-US" sz="1100" dirty="0">
+                    <a:latin typeface="Times New Roman" pitchFamily="18" charset="0"/>
+                    <a:cs typeface="Times New Roman" pitchFamily="18" charset="0"/>
+                  </a:rPr>
+                  <a:t>− </a:t>
+                </a:r>
+                <a:r>
+                  <a:rPr lang="ru-RU" sz="1100" dirty="0" smtClean="0">
+                    <a:latin typeface="Times New Roman" pitchFamily="18" charset="0"/>
+                    <a:ea typeface="Cambria Math"/>
+                    <a:cs typeface="Times New Roman" pitchFamily="18" charset="0"/>
+                  </a:rPr>
+                  <a:t>дульная </a:t>
+                </a:r>
+                <a:r>
+                  <a:rPr lang="ru-RU" sz="1100" dirty="0" smtClean="0">
+                    <a:latin typeface="Times New Roman" pitchFamily="18" charset="0"/>
+                    <a:ea typeface="Cambria Math"/>
+                    <a:cs typeface="Times New Roman" pitchFamily="18" charset="0"/>
+                  </a:rPr>
+                  <a:t>скорость снаряда; </a:t>
                 </a:r>
                 <a14:m>
                   <m:oMath xmlns:m="http://schemas.openxmlformats.org/officeDocument/2006/math">
@@ -41261,7 +41159,7 @@
             </p:txBody>
           </p:sp>
         </mc:Choice>
-        <mc:Fallback xmlns="">
+        <mc:Fallback>
           <p:sp>
             <p:nvSpPr>
               <p:cNvPr id="89" name="Прямоугольник 88"/>
@@ -41273,15 +41171,15 @@
             <p:spPr>
               <a:xfrm>
                 <a:off x="132437" y="1027396"/>
-                <a:ext cx="6476004" cy="957955"/>
+                <a:ext cx="6476004" cy="970330"/>
               </a:xfrm>
               <a:prstGeom prst="rect">
                 <a:avLst/>
               </a:prstGeom>
-              <a:blipFill>
+              <a:blipFill rotWithShape="0">
                 <a:blip r:embed="rId34"/>
                 <a:stretch>
-                  <a:fillRect l="-94" b="-1911"/>
+                  <a:fillRect l="-94" b="-629"/>
                 </a:stretch>
               </a:blipFill>
             </p:spPr>
